--- a/SOFTWARE TESTING METHODS AND TOOLS SEMINAR.pptx
+++ b/SOFTWARE TESTING METHODS AND TOOLS SEMINAR.pptx
@@ -5,21 +5,22 @@
     <p:sldMasterId id="2147483672" r:id="rId1"/>
   </p:sldMasterIdLst>
   <p:notesMasterIdLst>
-    <p:notesMasterId r:id="rId14"/>
+    <p:notesMasterId r:id="rId15"/>
   </p:notesMasterIdLst>
   <p:sldIdLst>
     <p:sldId id="256" r:id="rId2"/>
-    <p:sldId id="257" r:id="rId3"/>
-    <p:sldId id="262" r:id="rId4"/>
-    <p:sldId id="263" r:id="rId5"/>
-    <p:sldId id="264" r:id="rId6"/>
-    <p:sldId id="265" r:id="rId7"/>
-    <p:sldId id="266" r:id="rId8"/>
-    <p:sldId id="258" r:id="rId9"/>
-    <p:sldId id="259" r:id="rId10"/>
-    <p:sldId id="267" r:id="rId11"/>
-    <p:sldId id="268" r:id="rId12"/>
-    <p:sldId id="269" r:id="rId13"/>
+    <p:sldId id="270" r:id="rId3"/>
+    <p:sldId id="257" r:id="rId4"/>
+    <p:sldId id="262" r:id="rId5"/>
+    <p:sldId id="263" r:id="rId6"/>
+    <p:sldId id="264" r:id="rId7"/>
+    <p:sldId id="265" r:id="rId8"/>
+    <p:sldId id="266" r:id="rId9"/>
+    <p:sldId id="258" r:id="rId10"/>
+    <p:sldId id="259" r:id="rId11"/>
+    <p:sldId id="267" r:id="rId12"/>
+    <p:sldId id="268" r:id="rId13"/>
+    <p:sldId id="269" r:id="rId14"/>
   </p:sldIdLst>
   <p:sldSz cx="9144000" cy="6858000" type="screen4x3"/>
   <p:notesSz cx="6858000" cy="9144000"/>
@@ -203,6 +204,7 @@
           <a:p>
             <a:fld id="{89A91B69-26CE-4735-992B-34975F12168D}" type="datetimeFigureOut">
               <a:rPr lang="en-US" smtClean="0"/>
+              <a:pPr/>
               <a:t>10/3/2024</a:t>
             </a:fld>
             <a:endParaRPr lang="en-US"/>
@@ -364,6 +366,7 @@
           <a:p>
             <a:fld id="{F1817AFF-0676-4B55-8198-286D392AB6E2}" type="slidenum">
               <a:rPr lang="en-US" smtClean="0"/>
+              <a:pPr/>
               <a:t>‹#›</a:t>
             </a:fld>
             <a:endParaRPr lang="en-US"/>
@@ -647,10 +650,10 @@
           <a:bodyPr/>
           <a:lstStyle/>
           <a:p>
-            <a:fld id="{EBF339EB-7EC4-4D70-A86F-C11C19ED0005}" type="datetime1">
-              <a:rPr lang="en-US" smtClean="0"/>
-              <a:t>10/3/2024</a:t>
-            </a:fld>
+            <a:r>
+              <a:rPr lang="en-US" smtClean="0"/>
+              <a:t>10/4/2024</a:t>
+            </a:r>
             <a:endParaRPr lang="en-US"/>
           </a:p>
         </p:txBody>
@@ -695,6 +698,7 @@
           <a:p>
             <a:fld id="{1D3CDB4E-4FB5-4460-9B40-33485DAECA60}" type="slidenum">
               <a:rPr lang="en-US" smtClean="0"/>
+              <a:pPr/>
               <a:t>‹#›</a:t>
             </a:fld>
             <a:endParaRPr lang="en-US"/>
@@ -816,10 +820,10 @@
           <a:bodyPr/>
           <a:lstStyle/>
           <a:p>
-            <a:fld id="{8DD37CDC-9F6A-4D4E-A7F5-BB126FC986F6}" type="datetime1">
-              <a:rPr lang="en-US" smtClean="0"/>
-              <a:t>10/3/2024</a:t>
-            </a:fld>
+            <a:r>
+              <a:rPr lang="en-US" smtClean="0"/>
+              <a:t>10/4/2024</a:t>
+            </a:r>
             <a:endParaRPr lang="en-US"/>
           </a:p>
         </p:txBody>
@@ -864,6 +868,7 @@
           <a:p>
             <a:fld id="{1D3CDB4E-4FB5-4460-9B40-33485DAECA60}" type="slidenum">
               <a:rPr lang="en-US" smtClean="0"/>
+              <a:pPr/>
               <a:t>‹#›</a:t>
             </a:fld>
             <a:endParaRPr lang="en-US"/>
@@ -995,10 +1000,10 @@
           <a:bodyPr/>
           <a:lstStyle/>
           <a:p>
-            <a:fld id="{583EF0ED-4C36-40BA-BEE3-1E601D098D6C}" type="datetime1">
-              <a:rPr lang="en-US" smtClean="0"/>
-              <a:t>10/3/2024</a:t>
-            </a:fld>
+            <a:r>
+              <a:rPr lang="en-US" smtClean="0"/>
+              <a:t>10/4/2024</a:t>
+            </a:r>
             <a:endParaRPr lang="en-US"/>
           </a:p>
         </p:txBody>
@@ -1043,6 +1048,7 @@
           <a:p>
             <a:fld id="{1D3CDB4E-4FB5-4460-9B40-33485DAECA60}" type="slidenum">
               <a:rPr lang="en-US" smtClean="0"/>
+              <a:pPr/>
               <a:t>‹#›</a:t>
             </a:fld>
             <a:endParaRPr lang="en-US"/>
@@ -1164,10 +1170,10 @@
           <a:bodyPr/>
           <a:lstStyle/>
           <a:p>
-            <a:fld id="{E07B1EB5-CE83-4636-89EB-718F388BD3B4}" type="datetime1">
-              <a:rPr lang="en-US" smtClean="0"/>
-              <a:t>10/3/2024</a:t>
-            </a:fld>
+            <a:r>
+              <a:rPr lang="en-US" smtClean="0"/>
+              <a:t>10/4/2024</a:t>
+            </a:r>
             <a:endParaRPr lang="en-US"/>
           </a:p>
         </p:txBody>
@@ -1212,6 +1218,7 @@
           <a:p>
             <a:fld id="{1D3CDB4E-4FB5-4460-9B40-33485DAECA60}" type="slidenum">
               <a:rPr lang="en-US" smtClean="0"/>
+              <a:pPr/>
               <a:t>‹#›</a:t>
             </a:fld>
             <a:endParaRPr lang="en-US"/>
@@ -1409,10 +1416,10 @@
           <a:bodyPr/>
           <a:lstStyle/>
           <a:p>
-            <a:fld id="{CF85CDE1-5D18-4EF1-ABA2-42E0F14FF168}" type="datetime1">
-              <a:rPr lang="en-US" smtClean="0"/>
-              <a:t>10/3/2024</a:t>
-            </a:fld>
+            <a:r>
+              <a:rPr lang="en-US" smtClean="0"/>
+              <a:t>10/4/2024</a:t>
+            </a:r>
             <a:endParaRPr lang="en-US"/>
           </a:p>
         </p:txBody>
@@ -1457,6 +1464,7 @@
           <a:p>
             <a:fld id="{1D3CDB4E-4FB5-4460-9B40-33485DAECA60}" type="slidenum">
               <a:rPr lang="en-US" smtClean="0"/>
+              <a:pPr/>
               <a:t>‹#›</a:t>
             </a:fld>
             <a:endParaRPr lang="en-US"/>
@@ -1696,10 +1704,10 @@
           <a:bodyPr/>
           <a:lstStyle/>
           <a:p>
-            <a:fld id="{2E86607F-C4CF-4D60-8B62-4B89BE346DAE}" type="datetime1">
-              <a:rPr lang="en-US" smtClean="0"/>
-              <a:t>10/3/2024</a:t>
-            </a:fld>
+            <a:r>
+              <a:rPr lang="en-US" smtClean="0"/>
+              <a:t>10/4/2024</a:t>
+            </a:r>
             <a:endParaRPr lang="en-US"/>
           </a:p>
         </p:txBody>
@@ -1744,6 +1752,7 @@
           <a:p>
             <a:fld id="{1D3CDB4E-4FB5-4460-9B40-33485DAECA60}" type="slidenum">
               <a:rPr lang="en-US" smtClean="0"/>
+              <a:pPr/>
               <a:t>‹#›</a:t>
             </a:fld>
             <a:endParaRPr lang="en-US"/>
@@ -2117,10 +2126,10 @@
           <a:bodyPr/>
           <a:lstStyle/>
           <a:p>
-            <a:fld id="{C3CB18B2-B10B-4BAE-B946-5153EF6723C7}" type="datetime1">
-              <a:rPr lang="en-US" smtClean="0"/>
-              <a:t>10/3/2024</a:t>
-            </a:fld>
+            <a:r>
+              <a:rPr lang="en-US" smtClean="0"/>
+              <a:t>10/4/2024</a:t>
+            </a:r>
             <a:endParaRPr lang="en-US"/>
           </a:p>
         </p:txBody>
@@ -2165,6 +2174,7 @@
           <a:p>
             <a:fld id="{1D3CDB4E-4FB5-4460-9B40-33485DAECA60}" type="slidenum">
               <a:rPr lang="en-US" smtClean="0"/>
+              <a:pPr/>
               <a:t>‹#›</a:t>
             </a:fld>
             <a:endParaRPr lang="en-US"/>
@@ -2234,10 +2244,10 @@
           <a:bodyPr/>
           <a:lstStyle/>
           <a:p>
-            <a:fld id="{2C4D3FD6-90AD-4021-AB6E-74C18AE9F081}" type="datetime1">
-              <a:rPr lang="en-US" smtClean="0"/>
-              <a:t>10/3/2024</a:t>
-            </a:fld>
+            <a:r>
+              <a:rPr lang="en-US" smtClean="0"/>
+              <a:t>10/4/2024</a:t>
+            </a:r>
             <a:endParaRPr lang="en-US"/>
           </a:p>
         </p:txBody>
@@ -2282,6 +2292,7 @@
           <a:p>
             <a:fld id="{1D3CDB4E-4FB5-4460-9B40-33485DAECA60}" type="slidenum">
               <a:rPr lang="en-US" smtClean="0"/>
+              <a:pPr/>
               <a:t>‹#›</a:t>
             </a:fld>
             <a:endParaRPr lang="en-US"/>
@@ -2328,10 +2339,10 @@
           <a:bodyPr/>
           <a:lstStyle/>
           <a:p>
-            <a:fld id="{F1F1A6F3-ABAA-4347-B150-3D86F8936258}" type="datetime1">
-              <a:rPr lang="en-US" smtClean="0"/>
-              <a:t>10/3/2024</a:t>
-            </a:fld>
+            <a:r>
+              <a:rPr lang="en-US" smtClean="0"/>
+              <a:t>10/4/2024</a:t>
+            </a:r>
             <a:endParaRPr lang="en-US"/>
           </a:p>
         </p:txBody>
@@ -2376,6 +2387,7 @@
           <a:p>
             <a:fld id="{1D3CDB4E-4FB5-4460-9B40-33485DAECA60}" type="slidenum">
               <a:rPr lang="en-US" smtClean="0"/>
+              <a:pPr/>
               <a:t>‹#›</a:t>
             </a:fld>
             <a:endParaRPr lang="en-US"/>
@@ -2604,10 +2616,10 @@
           <a:bodyPr/>
           <a:lstStyle/>
           <a:p>
-            <a:fld id="{C6F78F92-562A-4F98-95EA-475E2E911B62}" type="datetime1">
-              <a:rPr lang="en-US" smtClean="0"/>
-              <a:t>10/3/2024</a:t>
-            </a:fld>
+            <a:r>
+              <a:rPr lang="en-US" smtClean="0"/>
+              <a:t>10/4/2024</a:t>
+            </a:r>
             <a:endParaRPr lang="en-US"/>
           </a:p>
         </p:txBody>
@@ -2652,6 +2664,7 @@
           <a:p>
             <a:fld id="{1D3CDB4E-4FB5-4460-9B40-33485DAECA60}" type="slidenum">
               <a:rPr lang="en-US" smtClean="0"/>
+              <a:pPr/>
               <a:t>‹#›</a:t>
             </a:fld>
             <a:endParaRPr lang="en-US"/>
@@ -2856,10 +2869,10 @@
           <a:bodyPr/>
           <a:lstStyle/>
           <a:p>
-            <a:fld id="{CFDB90F5-5A30-47A4-8623-BA920E76C723}" type="datetime1">
-              <a:rPr lang="en-US" smtClean="0"/>
-              <a:t>10/3/2024</a:t>
-            </a:fld>
+            <a:r>
+              <a:rPr lang="en-US" smtClean="0"/>
+              <a:t>10/4/2024</a:t>
+            </a:r>
             <a:endParaRPr lang="en-US"/>
           </a:p>
         </p:txBody>
@@ -2904,6 +2917,7 @@
           <a:p>
             <a:fld id="{1D3CDB4E-4FB5-4460-9B40-33485DAECA60}" type="slidenum">
               <a:rPr lang="en-US" smtClean="0"/>
+              <a:pPr/>
               <a:t>‹#›</a:t>
             </a:fld>
             <a:endParaRPr lang="en-US"/>
@@ -3068,10 +3082,10 @@
             </a:lvl1pPr>
           </a:lstStyle>
           <a:p>
-            <a:fld id="{EEE04318-7871-4F23-93F7-B8713878F020}" type="datetime1">
-              <a:rPr lang="en-US" smtClean="0"/>
-              <a:t>10/3/2024</a:t>
-            </a:fld>
+            <a:r>
+              <a:rPr lang="en-US" smtClean="0"/>
+              <a:t>10/4/2024</a:t>
+            </a:r>
             <a:endParaRPr lang="en-US"/>
           </a:p>
         </p:txBody>
@@ -3152,6 +3166,7 @@
           <a:p>
             <a:fld id="{1D3CDB4E-4FB5-4460-9B40-33485DAECA60}" type="slidenum">
               <a:rPr lang="en-US" smtClean="0"/>
+              <a:pPr/>
               <a:t>‹#›</a:t>
             </a:fld>
             <a:endParaRPr lang="en-US"/>
@@ -3600,56 +3615,18 @@
       </p:grpSpPr>
       <p:sp>
         <p:nvSpPr>
-          <p:cNvPr id="2" name="Title 1"/>
-          <p:cNvSpPr>
-            <a:spLocks noGrp="1"/>
-          </p:cNvSpPr>
-          <p:nvPr>
-            <p:ph type="title"/>
+          <p:cNvPr id="3" name="Content Placeholder 2"/>
+          <p:cNvSpPr>
+            <a:spLocks noGrp="1"/>
+          </p:cNvSpPr>
+          <p:nvPr>
+            <p:ph idx="1"/>
           </p:nvPr>
         </p:nvSpPr>
         <p:spPr>
           <a:xfrm>
-            <a:off x="0" y="0"/>
-            <a:ext cx="9144000" cy="715962"/>
-          </a:xfrm>
-        </p:spPr>
-        <p:txBody>
-          <a:bodyPr>
-            <a:normAutofit fontScale="90000"/>
-          </a:bodyPr>
-          <a:lstStyle/>
-          <a:p>
-            <a:r>
-              <a:rPr lang="en-US" dirty="0" smtClean="0">
-                <a:solidFill>
-                  <a:srgbClr val="FF0000"/>
-                </a:solidFill>
-              </a:rPr>
-              <a:t>Advantages</a:t>
-            </a:r>
-            <a:endParaRPr lang="en-US" dirty="0">
-              <a:solidFill>
-                <a:srgbClr val="FF0000"/>
-              </a:solidFill>
-            </a:endParaRPr>
-          </a:p>
-        </p:txBody>
-      </p:sp>
-      <p:sp>
-        <p:nvSpPr>
-          <p:cNvPr id="3" name="Content Placeholder 2"/>
-          <p:cNvSpPr>
-            <a:spLocks noGrp="1"/>
-          </p:cNvSpPr>
-          <p:nvPr>
-            <p:ph idx="1"/>
-          </p:nvPr>
-        </p:nvSpPr>
-        <p:spPr>
-          <a:xfrm>
-            <a:off x="304800" y="838200"/>
-            <a:ext cx="8534400" cy="5486400"/>
+            <a:off x="381000" y="457200"/>
+            <a:ext cx="8305800" cy="5791200"/>
           </a:xfrm>
           <a:ln>
             <a:noFill/>
@@ -3667,11 +3644,11 @@
             </a:pPr>
             <a:r>
               <a:rPr lang="en-US" sz="3000" b="1" dirty="0" smtClean="0"/>
-              <a:t>Modular Testing</a:t>
+              <a:t>Concurrency Issues: </a:t>
             </a:r>
             <a:r>
               <a:rPr lang="en-US" sz="3000" dirty="0" smtClean="0"/>
-              <a:t>: Client and server components can be tested separately.</a:t>
+              <a:t>Detecting and addressing concurrency issues, such as race conditions and deadlocks, becomes crucial as multiple clients interact with the server simultaneously.</a:t>
             </a:r>
           </a:p>
           <a:p>
@@ -3679,22 +3656,13 @@
               <a:buFont typeface="Wingdings" pitchFamily="2" charset="2"/>
               <a:buChar char="v"/>
             </a:pPr>
-            <a:r>
-              <a:rPr lang="en-US" sz="3000" b="1" dirty="0" smtClean="0"/>
-              <a:t>Scalability </a:t>
-            </a:r>
-            <a:r>
-              <a:rPr lang="en-US" sz="3000" b="1" dirty="0" err="1" smtClean="0"/>
-              <a:t>Testing</a:t>
-            </a:r>
-            <a:r>
-              <a:rPr lang="en-US" sz="3000" dirty="0" err="1" smtClean="0"/>
-              <a:t>:Ensures</a:t>
-            </a:r>
-            <a:r>
-              <a:rPr lang="en-US" sz="3000" dirty="0" smtClean="0"/>
-              <a:t> systems can handle increasing loads efficiently.</a:t>
-            </a:r>
+            <a:endParaRPr lang="en-US" sz="3000" dirty="0"/>
+          </a:p>
+          <a:p>
+            <a:pPr algn="just">
+              <a:buNone/>
+            </a:pPr>
+            <a:endParaRPr lang="en-US" sz="3000" dirty="0" smtClean="0"/>
           </a:p>
           <a:p>
             <a:pPr algn="just">
@@ -3703,53 +3671,15 @@
             </a:pPr>
             <a:r>
               <a:rPr lang="en-US" sz="3000" b="1" dirty="0" smtClean="0"/>
-              <a:t>Security Validation</a:t>
+              <a:t>Scalability Challenges: </a:t>
             </a:r>
             <a:r>
               <a:rPr lang="en-US" sz="3000" dirty="0" smtClean="0"/>
-              <a:t>: Allows for testing of security features like encryption and authentication.</a:t>
-            </a:r>
-          </a:p>
-          <a:p>
-            <a:pPr algn="just">
-              <a:buFont typeface="Wingdings" pitchFamily="2" charset="2"/>
-              <a:buChar char="v"/>
-            </a:pPr>
-            <a:r>
-              <a:rPr lang="en-US" sz="3000" b="1" dirty="0" smtClean="0"/>
-              <a:t>Performance Benchmarking</a:t>
-            </a:r>
-            <a:r>
+              <a:t>Testing the system’s scalability involves simulating a large number of clients, which can be resource-intensive and requires careful planning.</a:t>
+            </a:r>
+            <a:br>
               <a:rPr lang="en-US" sz="3000" dirty="0" smtClean="0"/>
-              <a:t>: Measures response time, throughput, and latency effectively.</a:t>
-            </a:r>
-          </a:p>
-          <a:p>
-            <a:pPr algn="just">
-              <a:buFont typeface="Wingdings" pitchFamily="2" charset="2"/>
-              <a:buChar char="v"/>
-            </a:pPr>
-            <a:r>
-              <a:rPr lang="en-US" sz="3000" b="1" dirty="0" smtClean="0"/>
-              <a:t>Data Integrity</a:t>
-            </a:r>
-            <a:r>
-              <a:rPr lang="en-US" sz="3000" dirty="0" smtClean="0"/>
-              <a:t>: Verifies the accurate exchange and storage of data between client and server.</a:t>
-            </a:r>
-          </a:p>
-          <a:p>
-            <a:pPr algn="just">
-              <a:buFont typeface="Wingdings" pitchFamily="2" charset="2"/>
-              <a:buChar char="v"/>
-            </a:pPr>
-            <a:endParaRPr lang="en-US" sz="3000" dirty="0" smtClean="0"/>
-          </a:p>
-          <a:p>
-            <a:pPr>
-              <a:buFont typeface="Wingdings" pitchFamily="2" charset="2"/>
-              <a:buChar char="v"/>
-            </a:pPr>
+            </a:br>
             <a:endParaRPr lang="en-US" sz="3000" dirty="0"/>
           </a:p>
         </p:txBody>
@@ -3769,40 +3699,17 @@
           <a:bodyPr/>
           <a:lstStyle/>
           <a:p>
-            <a:fld id="{E07B1EB5-CE83-4636-89EB-718F388BD3B4}" type="datetime1">
-              <a:rPr lang="en-US" smtClean="0"/>
-              <a:t>10/3/2024</a:t>
-            </a:fld>
-            <a:endParaRPr lang="en-US"/>
-          </a:p>
-        </p:txBody>
-      </p:sp>
-      <p:sp>
-        <p:nvSpPr>
-          <p:cNvPr id="5" name="Footer Placeholder 4"/>
-          <p:cNvSpPr>
-            <a:spLocks noGrp="1"/>
-          </p:cNvSpPr>
-          <p:nvPr>
-            <p:ph type="ftr" sz="quarter" idx="11"/>
-          </p:nvPr>
-        </p:nvSpPr>
-        <p:spPr/>
-        <p:txBody>
-          <a:bodyPr/>
-          <a:lstStyle/>
-          <a:p>
-            <a:r>
-              <a:rPr lang="en-US" smtClean="0"/>
-              <a:t>STMT</a:t>
-            </a:r>
-            <a:endParaRPr lang="en-US"/>
-          </a:p>
-        </p:txBody>
-      </p:sp>
-      <p:sp>
-        <p:nvSpPr>
-          <p:cNvPr id="6" name="Slide Number Placeholder 5"/>
+            <a:r>
+              <a:rPr lang="en-US" smtClean="0"/>
+              <a:t>10/4/2024</a:t>
+            </a:r>
+            <a:endParaRPr lang="en-US" dirty="0"/>
+          </a:p>
+        </p:txBody>
+      </p:sp>
+      <p:sp>
+        <p:nvSpPr>
+          <p:cNvPr id="7" name="Slide Number Placeholder 6"/>
           <p:cNvSpPr>
             <a:spLocks noGrp="1"/>
           </p:cNvSpPr>
@@ -3817,8 +3724,32 @@
           <a:p>
             <a:fld id="{1D3CDB4E-4FB5-4460-9B40-33485DAECA60}" type="slidenum">
               <a:rPr lang="en-US" smtClean="0"/>
+              <a:pPr/>
               <a:t>10</a:t>
             </a:fld>
+            <a:endParaRPr lang="en-US"/>
+          </a:p>
+        </p:txBody>
+      </p:sp>
+      <p:sp>
+        <p:nvSpPr>
+          <p:cNvPr id="8" name="Footer Placeholder 7"/>
+          <p:cNvSpPr>
+            <a:spLocks noGrp="1"/>
+          </p:cNvSpPr>
+          <p:nvPr>
+            <p:ph type="ftr" sz="quarter" idx="11"/>
+          </p:nvPr>
+        </p:nvSpPr>
+        <p:spPr/>
+        <p:txBody>
+          <a:bodyPr/>
+          <a:lstStyle/>
+          <a:p>
+            <a:r>
+              <a:rPr lang="en-US" smtClean="0"/>
+              <a:t>STMT</a:t>
+            </a:r>
             <a:endParaRPr lang="en-US"/>
           </a:p>
         </p:txBody>
@@ -3868,11 +3799,13 @@
         <p:spPr>
           <a:xfrm>
             <a:off x="0" y="0"/>
-            <a:ext cx="9144000" cy="990600"/>
+            <a:ext cx="9144000" cy="715962"/>
           </a:xfrm>
         </p:spPr>
         <p:txBody>
-          <a:bodyPr/>
+          <a:bodyPr>
+            <a:normAutofit fontScale="90000"/>
+          </a:bodyPr>
           <a:lstStyle/>
           <a:p>
             <a:r>
@@ -3881,9 +3814,13 @@
                   <a:srgbClr val="FF0000"/>
                 </a:solidFill>
               </a:rPr>
-              <a:t>Disadvantages</a:t>
-            </a:r>
-            <a:endParaRPr lang="en-US" dirty="0"/>
+              <a:t>Advantages</a:t>
+            </a:r>
+            <a:endParaRPr lang="en-US" dirty="0">
+              <a:solidFill>
+                <a:srgbClr val="FF0000"/>
+              </a:solidFill>
+            </a:endParaRPr>
           </a:p>
         </p:txBody>
       </p:sp>
@@ -3899,15 +3836,17 @@
         </p:nvSpPr>
         <p:spPr>
           <a:xfrm>
-            <a:off x="457200" y="1143000"/>
-            <a:ext cx="8229600" cy="5181600"/>
+            <a:off x="304800" y="838200"/>
+            <a:ext cx="8534400" cy="5486400"/>
           </a:xfrm>
           <a:ln>
             <a:noFill/>
           </a:ln>
         </p:spPr>
         <p:txBody>
-          <a:bodyPr/>
+          <a:bodyPr>
+            <a:noAutofit/>
+          </a:bodyPr>
           <a:lstStyle/>
           <a:p>
             <a:pPr algn="just">
@@ -3915,12 +3854,12 @@
               <a:buChar char="v"/>
             </a:pPr>
             <a:r>
-              <a:rPr lang="en-US" b="1" dirty="0" smtClean="0"/>
-              <a:t>Complex Setup</a:t>
-            </a:r>
-            <a:r>
-              <a:rPr lang="en-US" dirty="0" smtClean="0"/>
-              <a:t>: Requires configuring both client and server environments for testing.</a:t>
+              <a:rPr lang="en-US" sz="3000" b="1" dirty="0" smtClean="0"/>
+              <a:t>Modular Testing</a:t>
+            </a:r>
+            <a:r>
+              <a:rPr lang="en-US" sz="3000" dirty="0" smtClean="0"/>
+              <a:t>: Client and server components can be tested separately.</a:t>
             </a:r>
           </a:p>
           <a:p>
@@ -3928,7 +3867,22 @@
               <a:buFont typeface="Wingdings" pitchFamily="2" charset="2"/>
               <a:buChar char="v"/>
             </a:pPr>
-            <a:endParaRPr lang="en-US" dirty="0" smtClean="0"/>
+            <a:r>
+              <a:rPr lang="en-US" sz="3000" b="1" dirty="0" smtClean="0"/>
+              <a:t>Scalability </a:t>
+            </a:r>
+            <a:r>
+              <a:rPr lang="en-US" sz="3000" b="1" dirty="0" err="1" smtClean="0"/>
+              <a:t>Testing</a:t>
+            </a:r>
+            <a:r>
+              <a:rPr lang="en-US" sz="3000" dirty="0" err="1" smtClean="0"/>
+              <a:t>:Ensures</a:t>
+            </a:r>
+            <a:r>
+              <a:rPr lang="en-US" sz="3000" dirty="0" smtClean="0"/>
+              <a:t> systems can handle increasing loads efficiently.</a:t>
+            </a:r>
           </a:p>
           <a:p>
             <a:pPr algn="just">
@@ -3936,12 +3890,12 @@
               <a:buChar char="v"/>
             </a:pPr>
             <a:r>
-              <a:rPr lang="en-US" b="1" dirty="0" smtClean="0"/>
-              <a:t>Network Dependencies</a:t>
-            </a:r>
-            <a:r>
-              <a:rPr lang="en-US" dirty="0" smtClean="0"/>
-              <a:t>: Tests depend on network stability, which can affect results.</a:t>
+              <a:rPr lang="en-US" sz="3000" b="1" dirty="0" smtClean="0"/>
+              <a:t>Security Validation</a:t>
+            </a:r>
+            <a:r>
+              <a:rPr lang="en-US" sz="3000" dirty="0" smtClean="0"/>
+              <a:t>: Allows for testing of security features like encryption and authentication.</a:t>
             </a:r>
           </a:p>
           <a:p>
@@ -3949,7 +3903,14 @@
               <a:buFont typeface="Wingdings" pitchFamily="2" charset="2"/>
               <a:buChar char="v"/>
             </a:pPr>
-            <a:endParaRPr lang="en-US" dirty="0" smtClean="0"/>
+            <a:r>
+              <a:rPr lang="en-US" sz="3000" b="1" dirty="0" smtClean="0"/>
+              <a:t>Performance Benchmarking</a:t>
+            </a:r>
+            <a:r>
+              <a:rPr lang="en-US" sz="3000" dirty="0" smtClean="0"/>
+              <a:t>: Measures response time, throughput, and latency effectively.</a:t>
+            </a:r>
           </a:p>
           <a:p>
             <a:pPr algn="just">
@@ -3957,14 +3918,27 @@
               <a:buChar char="v"/>
             </a:pPr>
             <a:r>
-              <a:rPr lang="en-US" b="1" dirty="0" smtClean="0"/>
-              <a:t>High Cost</a:t>
-            </a:r>
-            <a:r>
-              <a:rPr lang="en-US" dirty="0" smtClean="0"/>
-              <a:t>: Setting up real-world test environments may involve high costs.</a:t>
-            </a:r>
-            <a:endParaRPr lang="en-US" dirty="0"/>
+              <a:rPr lang="en-US" sz="3000" b="1" dirty="0" smtClean="0"/>
+              <a:t>Data Integrity</a:t>
+            </a:r>
+            <a:r>
+              <a:rPr lang="en-US" sz="3000" dirty="0" smtClean="0"/>
+              <a:t>: Verifies the accurate exchange and storage of data between client and server.</a:t>
+            </a:r>
+          </a:p>
+          <a:p>
+            <a:pPr algn="just">
+              <a:buFont typeface="Wingdings" pitchFamily="2" charset="2"/>
+              <a:buChar char="v"/>
+            </a:pPr>
+            <a:endParaRPr lang="en-US" sz="3000" dirty="0" smtClean="0"/>
+          </a:p>
+          <a:p>
+            <a:pPr>
+              <a:buFont typeface="Wingdings" pitchFamily="2" charset="2"/>
+              <a:buChar char="v"/>
+            </a:pPr>
+            <a:endParaRPr lang="en-US" sz="3000" dirty="0"/>
           </a:p>
         </p:txBody>
       </p:sp>
@@ -3983,40 +3957,17 @@
           <a:bodyPr/>
           <a:lstStyle/>
           <a:p>
-            <a:fld id="{E07B1EB5-CE83-4636-89EB-718F388BD3B4}" type="datetime1">
-              <a:rPr lang="en-US" smtClean="0"/>
-              <a:t>10/3/2024</a:t>
-            </a:fld>
-            <a:endParaRPr lang="en-US"/>
-          </a:p>
-        </p:txBody>
-      </p:sp>
-      <p:sp>
-        <p:nvSpPr>
-          <p:cNvPr id="5" name="Footer Placeholder 4"/>
-          <p:cNvSpPr>
-            <a:spLocks noGrp="1"/>
-          </p:cNvSpPr>
-          <p:nvPr>
-            <p:ph type="ftr" sz="quarter" idx="11"/>
-          </p:nvPr>
-        </p:nvSpPr>
-        <p:spPr/>
-        <p:txBody>
-          <a:bodyPr/>
-          <a:lstStyle/>
-          <a:p>
-            <a:r>
-              <a:rPr lang="en-US" smtClean="0"/>
-              <a:t>STMT</a:t>
-            </a:r>
-            <a:endParaRPr lang="en-US"/>
-          </a:p>
-        </p:txBody>
-      </p:sp>
-      <p:sp>
-        <p:nvSpPr>
-          <p:cNvPr id="6" name="Slide Number Placeholder 5"/>
+            <a:r>
+              <a:rPr lang="en-US" smtClean="0"/>
+              <a:t>10/4/2024</a:t>
+            </a:r>
+            <a:endParaRPr lang="en-US"/>
+          </a:p>
+        </p:txBody>
+      </p:sp>
+      <p:sp>
+        <p:nvSpPr>
+          <p:cNvPr id="7" name="Slide Number Placeholder 6"/>
           <p:cNvSpPr>
             <a:spLocks noGrp="1"/>
           </p:cNvSpPr>
@@ -4031,8 +3982,32 @@
           <a:p>
             <a:fld id="{1D3CDB4E-4FB5-4460-9B40-33485DAECA60}" type="slidenum">
               <a:rPr lang="en-US" smtClean="0"/>
+              <a:pPr/>
               <a:t>11</a:t>
             </a:fld>
+            <a:endParaRPr lang="en-US"/>
+          </a:p>
+        </p:txBody>
+      </p:sp>
+      <p:sp>
+        <p:nvSpPr>
+          <p:cNvPr id="8" name="Footer Placeholder 7"/>
+          <p:cNvSpPr>
+            <a:spLocks noGrp="1"/>
+          </p:cNvSpPr>
+          <p:nvPr>
+            <p:ph type="ftr" sz="quarter" idx="11"/>
+          </p:nvPr>
+        </p:nvSpPr>
+        <p:spPr/>
+        <p:txBody>
+          <a:bodyPr/>
+          <a:lstStyle/>
+          <a:p>
+            <a:r>
+              <a:rPr lang="en-US" smtClean="0"/>
+              <a:t>STMT</a:t>
+            </a:r>
             <a:endParaRPr lang="en-US"/>
           </a:p>
         </p:txBody>
@@ -4071,6 +4046,221 @@
       </p:grpSpPr>
       <p:sp>
         <p:nvSpPr>
+          <p:cNvPr id="2" name="Title 1"/>
+          <p:cNvSpPr>
+            <a:spLocks noGrp="1"/>
+          </p:cNvSpPr>
+          <p:nvPr>
+            <p:ph type="title"/>
+          </p:nvPr>
+        </p:nvSpPr>
+        <p:spPr>
+          <a:xfrm>
+            <a:off x="0" y="0"/>
+            <a:ext cx="9144000" cy="990600"/>
+          </a:xfrm>
+        </p:spPr>
+        <p:txBody>
+          <a:bodyPr/>
+          <a:lstStyle/>
+          <a:p>
+            <a:r>
+              <a:rPr lang="en-US" dirty="0" smtClean="0">
+                <a:solidFill>
+                  <a:srgbClr val="FF0000"/>
+                </a:solidFill>
+              </a:rPr>
+              <a:t>Disadvantages</a:t>
+            </a:r>
+            <a:endParaRPr lang="en-US" dirty="0"/>
+          </a:p>
+        </p:txBody>
+      </p:sp>
+      <p:sp>
+        <p:nvSpPr>
+          <p:cNvPr id="3" name="Content Placeholder 2"/>
+          <p:cNvSpPr>
+            <a:spLocks noGrp="1"/>
+          </p:cNvSpPr>
+          <p:nvPr>
+            <p:ph idx="1"/>
+          </p:nvPr>
+        </p:nvSpPr>
+        <p:spPr>
+          <a:xfrm>
+            <a:off x="457200" y="1143000"/>
+            <a:ext cx="8229600" cy="5181600"/>
+          </a:xfrm>
+          <a:ln>
+            <a:noFill/>
+          </a:ln>
+        </p:spPr>
+        <p:txBody>
+          <a:bodyPr/>
+          <a:lstStyle/>
+          <a:p>
+            <a:pPr algn="just">
+              <a:buFont typeface="Wingdings" pitchFamily="2" charset="2"/>
+              <a:buChar char="v"/>
+            </a:pPr>
+            <a:r>
+              <a:rPr lang="en-US" b="1" dirty="0" smtClean="0"/>
+              <a:t>Complex Setup</a:t>
+            </a:r>
+            <a:r>
+              <a:rPr lang="en-US" dirty="0" smtClean="0"/>
+              <a:t>: Requires configuring both client and server environments for testing.</a:t>
+            </a:r>
+          </a:p>
+          <a:p>
+            <a:pPr algn="just">
+              <a:buFont typeface="Wingdings" pitchFamily="2" charset="2"/>
+              <a:buChar char="v"/>
+            </a:pPr>
+            <a:endParaRPr lang="en-US" dirty="0" smtClean="0"/>
+          </a:p>
+          <a:p>
+            <a:pPr algn="just">
+              <a:buFont typeface="Wingdings" pitchFamily="2" charset="2"/>
+              <a:buChar char="v"/>
+            </a:pPr>
+            <a:r>
+              <a:rPr lang="en-US" b="1" dirty="0" smtClean="0"/>
+              <a:t>Network Dependencies</a:t>
+            </a:r>
+            <a:r>
+              <a:rPr lang="en-US" dirty="0" smtClean="0"/>
+              <a:t>: Tests depend on network stability, which can affect results.</a:t>
+            </a:r>
+          </a:p>
+          <a:p>
+            <a:pPr algn="just">
+              <a:buFont typeface="Wingdings" pitchFamily="2" charset="2"/>
+              <a:buChar char="v"/>
+            </a:pPr>
+            <a:endParaRPr lang="en-US" dirty="0" smtClean="0"/>
+          </a:p>
+          <a:p>
+            <a:pPr algn="just">
+              <a:buFont typeface="Wingdings" pitchFamily="2" charset="2"/>
+              <a:buChar char="v"/>
+            </a:pPr>
+            <a:r>
+              <a:rPr lang="en-US" b="1" dirty="0" smtClean="0"/>
+              <a:t>High Cost</a:t>
+            </a:r>
+            <a:r>
+              <a:rPr lang="en-US" dirty="0" smtClean="0"/>
+              <a:t>: Setting up real-world test environments may involve high costs.</a:t>
+            </a:r>
+            <a:endParaRPr lang="en-US" dirty="0"/>
+          </a:p>
+        </p:txBody>
+      </p:sp>
+      <p:sp>
+        <p:nvSpPr>
+          <p:cNvPr id="4" name="Date Placeholder 3"/>
+          <p:cNvSpPr>
+            <a:spLocks noGrp="1"/>
+          </p:cNvSpPr>
+          <p:nvPr>
+            <p:ph type="dt" sz="half" idx="10"/>
+          </p:nvPr>
+        </p:nvSpPr>
+        <p:spPr/>
+        <p:txBody>
+          <a:bodyPr/>
+          <a:lstStyle/>
+          <a:p>
+            <a:r>
+              <a:rPr lang="en-US" smtClean="0"/>
+              <a:t>10/4/2024</a:t>
+            </a:r>
+            <a:endParaRPr lang="en-US"/>
+          </a:p>
+        </p:txBody>
+      </p:sp>
+      <p:sp>
+        <p:nvSpPr>
+          <p:cNvPr id="7" name="Slide Number Placeholder 6"/>
+          <p:cNvSpPr>
+            <a:spLocks noGrp="1"/>
+          </p:cNvSpPr>
+          <p:nvPr>
+            <p:ph type="sldNum" sz="quarter" idx="12"/>
+          </p:nvPr>
+        </p:nvSpPr>
+        <p:spPr/>
+        <p:txBody>
+          <a:bodyPr/>
+          <a:lstStyle/>
+          <a:p>
+            <a:fld id="{1D3CDB4E-4FB5-4460-9B40-33485DAECA60}" type="slidenum">
+              <a:rPr lang="en-US" smtClean="0"/>
+              <a:pPr/>
+              <a:t>12</a:t>
+            </a:fld>
+            <a:endParaRPr lang="en-US"/>
+          </a:p>
+        </p:txBody>
+      </p:sp>
+      <p:sp>
+        <p:nvSpPr>
+          <p:cNvPr id="8" name="Footer Placeholder 7"/>
+          <p:cNvSpPr>
+            <a:spLocks noGrp="1"/>
+          </p:cNvSpPr>
+          <p:nvPr>
+            <p:ph type="ftr" sz="quarter" idx="11"/>
+          </p:nvPr>
+        </p:nvSpPr>
+        <p:spPr/>
+        <p:txBody>
+          <a:bodyPr/>
+          <a:lstStyle/>
+          <a:p>
+            <a:r>
+              <a:rPr lang="en-US" smtClean="0"/>
+              <a:t>STMT</a:t>
+            </a:r>
+            <a:endParaRPr lang="en-US"/>
+          </a:p>
+        </p:txBody>
+      </p:sp>
+    </p:spTree>
+  </p:cSld>
+  <p:clrMapOvr>
+    <a:masterClrMapping/>
+  </p:clrMapOvr>
+  <p:timing>
+    <p:tnLst>
+      <p:par>
+        <p:cTn id="1" dur="indefinite" restart="never" nodeType="tmRoot"/>
+      </p:par>
+    </p:tnLst>
+  </p:timing>
+</p:sld>
+</file>
+
+<file path=ppt/slides/slide13.xml><?xml version="1.0" encoding="utf-8"?>
+<p:sld xmlns:a="http://schemas.openxmlformats.org/drawingml/2006/main" xmlns:r="http://schemas.openxmlformats.org/officeDocument/2006/relationships" xmlns:p="http://schemas.openxmlformats.org/presentationml/2006/main">
+  <p:cSld>
+    <p:spTree>
+      <p:nvGrpSpPr>
+        <p:cNvPr id="1" name=""/>
+        <p:cNvGrpSpPr/>
+        <p:nvPr/>
+      </p:nvGrpSpPr>
+      <p:grpSpPr>
+        <a:xfrm>
+          <a:off x="0" y="0"/>
+          <a:ext cx="0" cy="0"/>
+          <a:chOff x="0" y="0"/>
+          <a:chExt cx="0" cy="0"/>
+        </a:xfrm>
+      </p:grpSpPr>
+      <p:sp>
+        <p:nvSpPr>
           <p:cNvPr id="3" name="Content Placeholder 2"/>
           <p:cNvSpPr>
             <a:spLocks noGrp="1"/>
@@ -4154,9 +4344,33 @@
           <a:bodyPr/>
           <a:lstStyle/>
           <a:p>
-            <a:fld id="{E07B1EB5-CE83-4636-89EB-718F388BD3B4}" type="datetime1">
-              <a:rPr lang="en-US" smtClean="0"/>
-              <a:t>10/3/2024</a:t>
+            <a:r>
+              <a:rPr lang="en-US" smtClean="0"/>
+              <a:t>10/4/2024</a:t>
+            </a:r>
+            <a:endParaRPr lang="en-US"/>
+          </a:p>
+        </p:txBody>
+      </p:sp>
+      <p:sp>
+        <p:nvSpPr>
+          <p:cNvPr id="7" name="Slide Number Placeholder 6"/>
+          <p:cNvSpPr>
+            <a:spLocks noGrp="1"/>
+          </p:cNvSpPr>
+          <p:nvPr>
+            <p:ph type="sldNum" sz="quarter" idx="12"/>
+          </p:nvPr>
+        </p:nvSpPr>
+        <p:spPr/>
+        <p:txBody>
+          <a:bodyPr/>
+          <a:lstStyle/>
+          <a:p>
+            <a:fld id="{1D3CDB4E-4FB5-4460-9B40-33485DAECA60}" type="slidenum">
+              <a:rPr lang="en-US" smtClean="0"/>
+              <a:pPr/>
+              <a:t>13</a:t>
             </a:fld>
             <a:endParaRPr lang="en-US"/>
           </a:p>
@@ -4164,7 +4378,7 @@
       </p:sp>
       <p:sp>
         <p:nvSpPr>
-          <p:cNvPr id="5" name="Footer Placeholder 4"/>
+          <p:cNvPr id="8" name="Footer Placeholder 7"/>
           <p:cNvSpPr>
             <a:spLocks noGrp="1"/>
           </p:cNvSpPr>
@@ -4181,29 +4395,6 @@
               <a:rPr lang="en-US" smtClean="0"/>
               <a:t>STMT</a:t>
             </a:r>
-            <a:endParaRPr lang="en-US"/>
-          </a:p>
-        </p:txBody>
-      </p:sp>
-      <p:sp>
-        <p:nvSpPr>
-          <p:cNvPr id="6" name="Slide Number Placeholder 5"/>
-          <p:cNvSpPr>
-            <a:spLocks noGrp="1"/>
-          </p:cNvSpPr>
-          <p:nvPr>
-            <p:ph type="sldNum" sz="quarter" idx="12"/>
-          </p:nvPr>
-        </p:nvSpPr>
-        <p:spPr/>
-        <p:txBody>
-          <a:bodyPr/>
-          <a:lstStyle/>
-          <a:p>
-            <a:fld id="{1D3CDB4E-4FB5-4460-9B40-33485DAECA60}" type="slidenum">
-              <a:rPr lang="en-US" smtClean="0"/>
-              <a:t>12</a:t>
-            </a:fld>
             <a:endParaRPr lang="en-US"/>
           </a:p>
         </p:txBody>
@@ -4250,11 +4441,14 @@
             <p:ph type="title"/>
           </p:nvPr>
         </p:nvSpPr>
-        <p:spPr/>
-        <p:txBody>
-          <a:bodyPr>
-            <a:normAutofit/>
-          </a:bodyPr>
+        <p:spPr>
+          <a:xfrm>
+            <a:off x="381000" y="152400"/>
+            <a:ext cx="8229600" cy="1143000"/>
+          </a:xfrm>
+        </p:spPr>
+        <p:txBody>
+          <a:bodyPr/>
           <a:lstStyle/>
           <a:p>
             <a:r>
@@ -4263,7 +4457,23 @@
                   <a:srgbClr val="FF0000"/>
                 </a:solidFill>
               </a:rPr>
-              <a:t>Testing 	Client and Server System</a:t>
+              <a:t>AGEN</a:t>
+            </a:r>
+            <a:r>
+              <a:rPr lang="en-US" dirty="0" smtClean="0">
+                <a:solidFill>
+                  <a:srgbClr val="FF0000"/>
+                </a:solidFill>
+              </a:rPr>
+              <a:t>D</a:t>
+            </a:r>
+            <a:r>
+              <a:rPr lang="en-US" dirty="0" smtClean="0">
+                <a:solidFill>
+                  <a:srgbClr val="FF0000"/>
+                </a:solidFill>
+              </a:rPr>
+              <a:t>A</a:t>
             </a:r>
             <a:endParaRPr lang="en-US" dirty="0">
               <a:solidFill>
@@ -4275,137 +4485,235 @@
       </p:sp>
       <p:sp>
         <p:nvSpPr>
-          <p:cNvPr id="3" name="Content Placeholder 2"/>
-          <p:cNvSpPr>
-            <a:spLocks noGrp="1"/>
-          </p:cNvSpPr>
-          <p:nvPr>
-            <p:ph idx="1"/>
-          </p:nvPr>
+          <p:cNvPr id="3" name="Date Placeholder 2"/>
+          <p:cNvSpPr>
+            <a:spLocks noGrp="1"/>
+          </p:cNvSpPr>
+          <p:nvPr>
+            <p:ph type="dt" sz="half" idx="10"/>
+          </p:nvPr>
+        </p:nvSpPr>
+        <p:spPr/>
+        <p:txBody>
+          <a:bodyPr/>
+          <a:lstStyle/>
+          <a:p>
+            <a:r>
+              <a:rPr lang="en-US" smtClean="0"/>
+              <a:t>10/4/2024</a:t>
+            </a:r>
+            <a:endParaRPr lang="en-US"/>
+          </a:p>
+        </p:txBody>
+      </p:sp>
+      <p:sp>
+        <p:nvSpPr>
+          <p:cNvPr id="4" name="Footer Placeholder 3"/>
+          <p:cNvSpPr>
+            <a:spLocks noGrp="1"/>
+          </p:cNvSpPr>
+          <p:nvPr>
+            <p:ph type="ftr" sz="quarter" idx="11"/>
+          </p:nvPr>
+        </p:nvSpPr>
+        <p:spPr/>
+        <p:txBody>
+          <a:bodyPr/>
+          <a:lstStyle/>
+          <a:p>
+            <a:r>
+              <a:rPr lang="en-US" smtClean="0"/>
+              <a:t>STMT</a:t>
+            </a:r>
+            <a:endParaRPr lang="en-US"/>
+          </a:p>
+        </p:txBody>
+      </p:sp>
+      <p:sp>
+        <p:nvSpPr>
+          <p:cNvPr id="5" name="Slide Number Placeholder 4"/>
+          <p:cNvSpPr>
+            <a:spLocks noGrp="1"/>
+          </p:cNvSpPr>
+          <p:nvPr>
+            <p:ph type="sldNum" sz="quarter" idx="12"/>
+          </p:nvPr>
+        </p:nvSpPr>
+        <p:spPr/>
+        <p:txBody>
+          <a:bodyPr/>
+          <a:lstStyle/>
+          <a:p>
+            <a:fld id="{1D3CDB4E-4FB5-4460-9B40-33485DAECA60}" type="slidenum">
+              <a:rPr lang="en-US" smtClean="0"/>
+              <a:pPr/>
+              <a:t>2</a:t>
+            </a:fld>
+            <a:endParaRPr lang="en-US"/>
+          </a:p>
+        </p:txBody>
+      </p:sp>
+      <p:sp>
+        <p:nvSpPr>
+          <p:cNvPr id="6" name="TextBox 5"/>
+          <p:cNvSpPr txBox="1"/>
+          <p:nvPr/>
         </p:nvSpPr>
         <p:spPr>
           <a:xfrm>
-            <a:off x="381000" y="1600200"/>
-            <a:ext cx="8305800" cy="4525963"/>
+            <a:off x="685800" y="1411069"/>
+            <a:ext cx="7772400" cy="4448013"/>
           </a:xfrm>
-          <a:ln>
-            <a:noFill/>
-          </a:ln>
+          <a:prstGeom prst="rect">
+            <a:avLst/>
+          </a:prstGeom>
+          <a:noFill/>
         </p:spPr>
         <p:txBody>
-          <a:bodyPr>
-            <a:normAutofit fontScale="92500" lnSpcReduction="10000"/>
+          <a:bodyPr wrap="square" rtlCol="0">
+            <a:spAutoFit/>
           </a:bodyPr>
           <a:lstStyle/>
           <a:p>
-            <a:pPr algn="just">
+            <a:pPr>
+              <a:lnSpc>
+                <a:spcPct val="150000"/>
+              </a:lnSpc>
               <a:buFont typeface="Wingdings" pitchFamily="2" charset="2"/>
-              <a:buChar char="v"/>
+              <a:buChar char="ü"/>
             </a:pPr>
             <a:r>
-              <a:rPr lang="en-US" b="1" dirty="0"/>
-              <a:t>Client-server testing </a:t>
-            </a:r>
-            <a:r>
-              <a:rPr lang="en-US" dirty="0"/>
-              <a:t>is a type of testing that focuses on validating the interactions and functionality between the client and server components of a distributed system. </a:t>
-            </a:r>
-            <a:endParaRPr lang="en-US" dirty="0" smtClean="0"/>
-          </a:p>
-          <a:p>
-            <a:pPr algn="just">
+              <a:rPr lang="en-US" sz="3200" dirty="0" smtClean="0">
+                <a:solidFill>
+                  <a:schemeClr val="accent4">
+                    <a:lumMod val="75000"/>
+                  </a:schemeClr>
+                </a:solidFill>
+              </a:rPr>
+              <a:t>Testing 	Client and Server </a:t>
+            </a:r>
+            <a:r>
+              <a:rPr lang="en-US" sz="3200" dirty="0" smtClean="0">
+                <a:solidFill>
+                  <a:schemeClr val="accent4">
+                    <a:lumMod val="75000"/>
+                  </a:schemeClr>
+                </a:solidFill>
+              </a:rPr>
+              <a:t>System</a:t>
+            </a:r>
+          </a:p>
+          <a:p>
+            <a:pPr lvl="0">
+              <a:lnSpc>
+                <a:spcPct val="150000"/>
+              </a:lnSpc>
               <a:buFont typeface="Wingdings" pitchFamily="2" charset="2"/>
-              <a:buChar char="v"/>
+              <a:buChar char="ü"/>
             </a:pPr>
             <a:r>
-              <a:rPr lang="en-US" dirty="0" smtClean="0"/>
-              <a:t>In </a:t>
-            </a:r>
-            <a:r>
-              <a:rPr lang="en-US" dirty="0"/>
-              <a:t>a client-server architecture, the client and server are two separate entities that communicate over a network. The client is </a:t>
-            </a:r>
-            <a:r>
-              <a:rPr lang="en-US" b="1" dirty="0"/>
-              <a:t>responsible for requesting services or resources</a:t>
-            </a:r>
-            <a:r>
-              <a:rPr lang="en-US" dirty="0"/>
-              <a:t>, and the server is </a:t>
-            </a:r>
-            <a:r>
-              <a:rPr lang="en-US" b="1" dirty="0"/>
-              <a:t>responsible for fulfilling those requests</a:t>
-            </a:r>
-          </a:p>
-        </p:txBody>
-      </p:sp>
-      <p:sp>
-        <p:nvSpPr>
-          <p:cNvPr id="4" name="Date Placeholder 3"/>
-          <p:cNvSpPr>
-            <a:spLocks noGrp="1"/>
-          </p:cNvSpPr>
-          <p:nvPr>
-            <p:ph type="dt" sz="half" idx="10"/>
-          </p:nvPr>
-        </p:nvSpPr>
-        <p:spPr/>
-        <p:txBody>
-          <a:bodyPr/>
-          <a:lstStyle/>
-          <a:p>
-            <a:fld id="{E07B1EB5-CE83-4636-89EB-718F388BD3B4}" type="datetime1">
-              <a:rPr lang="en-US" smtClean="0"/>
-              <a:t>10/3/2024</a:t>
-            </a:fld>
-            <a:endParaRPr lang="en-US"/>
-          </a:p>
-        </p:txBody>
-      </p:sp>
-      <p:sp>
-        <p:nvSpPr>
-          <p:cNvPr id="5" name="Footer Placeholder 4"/>
-          <p:cNvSpPr>
-            <a:spLocks noGrp="1"/>
-          </p:cNvSpPr>
-          <p:nvPr>
-            <p:ph type="ftr" sz="quarter" idx="11"/>
-          </p:nvPr>
-        </p:nvSpPr>
-        <p:spPr/>
-        <p:txBody>
-          <a:bodyPr/>
-          <a:lstStyle/>
-          <a:p>
-            <a:r>
-              <a:rPr lang="en-US" smtClean="0"/>
-              <a:t>STMT</a:t>
-            </a:r>
-            <a:endParaRPr lang="en-US"/>
-          </a:p>
-        </p:txBody>
-      </p:sp>
-      <p:sp>
-        <p:nvSpPr>
-          <p:cNvPr id="6" name="Slide Number Placeholder 5"/>
-          <p:cNvSpPr>
-            <a:spLocks noGrp="1"/>
-          </p:cNvSpPr>
-          <p:nvPr>
-            <p:ph type="sldNum" sz="quarter" idx="12"/>
-          </p:nvPr>
-        </p:nvSpPr>
-        <p:spPr/>
-        <p:txBody>
-          <a:bodyPr/>
-          <a:lstStyle/>
-          <a:p>
-            <a:fld id="{1D3CDB4E-4FB5-4460-9B40-33485DAECA60}" type="slidenum">
-              <a:rPr lang="en-US" smtClean="0"/>
-              <a:t>2</a:t>
-            </a:fld>
-            <a:endParaRPr lang="en-US"/>
+              <a:rPr lang="en-US" sz="3200" dirty="0" smtClean="0">
+                <a:solidFill>
+                  <a:schemeClr val="accent4">
+                    <a:lumMod val="75000"/>
+                  </a:schemeClr>
+                </a:solidFill>
+              </a:rPr>
+              <a:t>Types of Client-Server </a:t>
+            </a:r>
+            <a:r>
+              <a:rPr lang="en-US" sz="3200" dirty="0" smtClean="0">
+                <a:solidFill>
+                  <a:schemeClr val="accent4">
+                    <a:lumMod val="75000"/>
+                  </a:schemeClr>
+                </a:solidFill>
+              </a:rPr>
+              <a:t>Testing</a:t>
+            </a:r>
+          </a:p>
+          <a:p>
+            <a:pPr lvl="0">
+              <a:lnSpc>
+                <a:spcPct val="150000"/>
+              </a:lnSpc>
+              <a:buFont typeface="Wingdings" pitchFamily="2" charset="2"/>
+              <a:buChar char="ü"/>
+            </a:pPr>
+            <a:r>
+              <a:rPr lang="en-US" sz="3200" dirty="0" smtClean="0">
+                <a:solidFill>
+                  <a:schemeClr val="accent4">
+                    <a:lumMod val="75000"/>
+                  </a:schemeClr>
+                </a:solidFill>
+              </a:rPr>
+              <a:t>Challenges of Client-Server </a:t>
+            </a:r>
+            <a:r>
+              <a:rPr lang="en-US" sz="3200" dirty="0" smtClean="0">
+                <a:solidFill>
+                  <a:schemeClr val="accent4">
+                    <a:lumMod val="75000"/>
+                  </a:schemeClr>
+                </a:solidFill>
+              </a:rPr>
+              <a:t>testing</a:t>
+            </a:r>
+          </a:p>
+          <a:p>
+            <a:pPr lvl="0">
+              <a:lnSpc>
+                <a:spcPct val="150000"/>
+              </a:lnSpc>
+              <a:buFont typeface="Wingdings" pitchFamily="2" charset="2"/>
+              <a:buChar char="ü"/>
+            </a:pPr>
+            <a:r>
+              <a:rPr lang="en-US" sz="3200" dirty="0" smtClean="0">
+                <a:solidFill>
+                  <a:schemeClr val="accent4">
+                    <a:lumMod val="75000"/>
+                  </a:schemeClr>
+                </a:solidFill>
+              </a:rPr>
+              <a:t>Advantages</a:t>
+            </a:r>
+          </a:p>
+          <a:p>
+            <a:pPr lvl="0">
+              <a:lnSpc>
+                <a:spcPct val="150000"/>
+              </a:lnSpc>
+              <a:buFont typeface="Wingdings" pitchFamily="2" charset="2"/>
+              <a:buChar char="ü"/>
+            </a:pPr>
+            <a:r>
+              <a:rPr lang="en-US" sz="3200" dirty="0" smtClean="0">
+                <a:solidFill>
+                  <a:schemeClr val="accent4">
+                    <a:lumMod val="75000"/>
+                  </a:schemeClr>
+                </a:solidFill>
+              </a:rPr>
+              <a:t>Disadvantages</a:t>
+            </a:r>
+          </a:p>
+          <a:p>
+            <a:pPr>
+              <a:lnSpc>
+                <a:spcPct val="150000"/>
+              </a:lnSpc>
+              <a:buFont typeface="Wingdings" pitchFamily="2" charset="2"/>
+              <a:buChar char="ü"/>
+            </a:pPr>
+            <a:endParaRPr lang="en-US" sz="3200" dirty="0">
+              <a:solidFill>
+                <a:schemeClr val="accent4">
+                  <a:lumMod val="75000"/>
+                </a:schemeClr>
+              </a:solidFill>
+            </a:endParaRPr>
           </a:p>
         </p:txBody>
       </p:sp>
@@ -4414,13 +4722,6 @@
   <p:clrMapOvr>
     <a:masterClrMapping/>
   </p:clrMapOvr>
-  <p:timing>
-    <p:tnLst>
-      <p:par>
-        <p:cTn id="1" dur="indefinite" restart="never" nodeType="tmRoot"/>
-      </p:par>
-    </p:tnLst>
-  </p:timing>
 </p:sld>
 </file>
 
@@ -4443,454 +4744,171 @@
       </p:grpSpPr>
       <p:sp>
         <p:nvSpPr>
-          <p:cNvPr id="2" name="Date Placeholder 1"/>
-          <p:cNvSpPr>
-            <a:spLocks noGrp="1"/>
-          </p:cNvSpPr>
-          <p:nvPr>
-            <p:ph type="dt" sz="half" idx="10"/>
-          </p:nvPr>
-        </p:nvSpPr>
-        <p:spPr/>
-        <p:txBody>
-          <a:bodyPr/>
-          <a:lstStyle/>
-          <a:p>
-            <a:fld id="{F1F1A6F3-ABAA-4347-B150-3D86F8936258}" type="datetime1">
-              <a:rPr lang="en-US" smtClean="0"/>
-              <a:t>10/3/2024</a:t>
-            </a:fld>
-            <a:endParaRPr lang="en-US"/>
-          </a:p>
-        </p:txBody>
-      </p:sp>
-      <p:sp>
-        <p:nvSpPr>
-          <p:cNvPr id="3" name="Footer Placeholder 2"/>
-          <p:cNvSpPr>
-            <a:spLocks noGrp="1"/>
-          </p:cNvSpPr>
-          <p:nvPr>
-            <p:ph type="ftr" sz="quarter" idx="11"/>
-          </p:nvPr>
-        </p:nvSpPr>
-        <p:spPr/>
-        <p:txBody>
-          <a:bodyPr/>
-          <a:lstStyle/>
-          <a:p>
-            <a:r>
-              <a:rPr lang="en-US" smtClean="0"/>
-              <a:t>STMT</a:t>
-            </a:r>
-            <a:endParaRPr lang="en-US"/>
-          </a:p>
-        </p:txBody>
-      </p:sp>
-      <p:sp>
-        <p:nvSpPr>
-          <p:cNvPr id="4" name="Slide Number Placeholder 3"/>
-          <p:cNvSpPr>
-            <a:spLocks noGrp="1"/>
-          </p:cNvSpPr>
-          <p:nvPr>
-            <p:ph type="sldNum" sz="quarter" idx="12"/>
-          </p:nvPr>
-        </p:nvSpPr>
-        <p:spPr/>
-        <p:txBody>
-          <a:bodyPr/>
-          <a:lstStyle/>
-          <a:p>
-            <a:fld id="{1D3CDB4E-4FB5-4460-9B40-33485DAECA60}" type="slidenum">
-              <a:rPr lang="en-US" smtClean="0"/>
-              <a:t>3</a:t>
-            </a:fld>
-            <a:endParaRPr lang="en-US"/>
-          </a:p>
-        </p:txBody>
-      </p:sp>
-      <p:sp>
-        <p:nvSpPr>
-          <p:cNvPr id="5" name="Title 1"/>
-          <p:cNvSpPr txBox="1">
-            <a:spLocks/>
-          </p:cNvSpPr>
-          <p:nvPr/>
-        </p:nvSpPr>
-        <p:spPr>
-          <a:xfrm>
-            <a:off x="457200" y="0"/>
-            <a:ext cx="8229600" cy="914400"/>
-          </a:xfrm>
-          <a:prstGeom prst="rect">
-            <a:avLst/>
-          </a:prstGeom>
-        </p:spPr>
-        <p:txBody>
-          <a:bodyPr/>
-          <a:lstStyle/>
-          <a:p>
-            <a:pPr marL="0" marR="0" lvl="0" indent="0" algn="ctr" defTabSz="914400" rtl="0" eaLnBrk="1" fontAlgn="auto" latinLnBrk="0" hangingPunct="1">
-              <a:lnSpc>
-                <a:spcPct val="100000"/>
-              </a:lnSpc>
-              <a:spcBef>
-                <a:spcPct val="0"/>
-              </a:spcBef>
-              <a:spcAft>
-                <a:spcPts val="0"/>
-              </a:spcAft>
-              <a:buClrTx/>
-              <a:buSzTx/>
-              <a:buFontTx/>
-              <a:buNone/>
-              <a:tabLst/>
-              <a:defRPr/>
-            </a:pPr>
-            <a:r>
-              <a:rPr kumimoji="0" lang="en-US" sz="4400" b="0" i="0" u="none" strike="noStrike" kern="1200" cap="none" spc="0" normalizeH="0" baseline="0" noProof="0" smtClean="0">
-                <a:ln>
-                  <a:noFill/>
-                </a:ln>
+          <p:cNvPr id="2" name="Title 1"/>
+          <p:cNvSpPr>
+            <a:spLocks noGrp="1"/>
+          </p:cNvSpPr>
+          <p:nvPr>
+            <p:ph type="title"/>
+          </p:nvPr>
+        </p:nvSpPr>
+        <p:spPr/>
+        <p:txBody>
+          <a:bodyPr>
+            <a:normAutofit/>
+          </a:bodyPr>
+          <a:lstStyle/>
+          <a:p>
+            <a:r>
+              <a:rPr lang="en-US" dirty="0" smtClean="0">
                 <a:solidFill>
                   <a:srgbClr val="FF0000"/>
                 </a:solidFill>
-                <a:effectLst/>
-                <a:uLnTx/>
-                <a:uFillTx/>
-                <a:latin typeface="+mj-lt"/>
-                <a:ea typeface="+mj-ea"/>
-                <a:cs typeface="+mj-cs"/>
               </a:rPr>
-              <a:t>Types of Client-Server Testing</a:t>
-            </a:r>
-            <a:endParaRPr kumimoji="0" lang="en-US" sz="4400" b="0" i="0" u="none" strike="noStrike" kern="1200" cap="none" spc="0" normalizeH="0" baseline="0" noProof="0" dirty="0" smtClean="0">
-              <a:ln>
-                <a:noFill/>
-              </a:ln>
+              <a:t>Testing 	Client and Server System</a:t>
+            </a:r>
+            <a:endParaRPr lang="en-US" dirty="0">
               <a:solidFill>
                 <a:srgbClr val="FF0000"/>
               </a:solidFill>
-              <a:effectLst/>
-              <a:uLnTx/>
-              <a:uFillTx/>
-              <a:latin typeface="+mj-lt"/>
-              <a:ea typeface="+mj-ea"/>
-              <a:cs typeface="+mj-cs"/>
             </a:endParaRPr>
           </a:p>
         </p:txBody>
       </p:sp>
       <p:sp>
         <p:nvSpPr>
-          <p:cNvPr id="6" name="Content Placeholder 2"/>
-          <p:cNvSpPr txBox="1">
-            <a:spLocks/>
-          </p:cNvSpPr>
-          <p:nvPr/>
+          <p:cNvPr id="3" name="Content Placeholder 2"/>
+          <p:cNvSpPr>
+            <a:spLocks noGrp="1"/>
+          </p:cNvSpPr>
+          <p:nvPr>
+            <p:ph idx="1"/>
+          </p:nvPr>
         </p:nvSpPr>
         <p:spPr>
           <a:xfrm>
-            <a:off x="304800" y="990600"/>
-            <a:ext cx="8458200" cy="5135563"/>
+            <a:off x="381000" y="1600200"/>
+            <a:ext cx="8305800" cy="4525963"/>
           </a:xfrm>
-          <a:prstGeom prst="rect">
-            <a:avLst/>
-          </a:prstGeom>
           <a:ln>
             <a:noFill/>
           </a:ln>
         </p:spPr>
         <p:txBody>
           <a:bodyPr>
-            <a:noAutofit/>
+            <a:normAutofit fontScale="92500" lnSpcReduction="10000"/>
           </a:bodyPr>
           <a:lstStyle/>
           <a:p>
-            <a:pPr marL="342900" marR="0" lvl="0" indent="-342900" algn="l" defTabSz="914400" rtl="0" eaLnBrk="1" fontAlgn="auto" latinLnBrk="0" hangingPunct="1">
-              <a:lnSpc>
-                <a:spcPct val="100000"/>
-              </a:lnSpc>
-              <a:spcBef>
-                <a:spcPct val="20000"/>
-              </a:spcBef>
-              <a:spcAft>
-                <a:spcPts val="0"/>
-              </a:spcAft>
-              <a:buClrTx/>
-              <a:buSzTx/>
-              <a:buFont typeface="Arial" pitchFamily="34" charset="0"/>
-              <a:buNone/>
-              <a:tabLst/>
-              <a:defRPr/>
-            </a:pPr>
-            <a:r>
-              <a:rPr kumimoji="0" lang="en-US" sz="3000" b="1" i="0" u="none" strike="noStrike" kern="1200" cap="none" spc="0" normalizeH="0" baseline="0" noProof="0" dirty="0" smtClean="0">
-                <a:ln>
-                  <a:noFill/>
-                </a:ln>
-                <a:solidFill>
-                  <a:schemeClr val="tx1"/>
-                </a:solidFill>
-                <a:effectLst/>
-                <a:uLnTx/>
-                <a:uFillTx/>
-                <a:latin typeface="+mn-lt"/>
-                <a:ea typeface="+mn-ea"/>
-                <a:cs typeface="+mn-cs"/>
-              </a:rPr>
-              <a:t>Functionality Testing</a:t>
-            </a:r>
-          </a:p>
-          <a:p>
-            <a:pPr marL="342900" marR="0" lvl="0" indent="-342900" algn="just" defTabSz="914400" rtl="0" eaLnBrk="1" fontAlgn="auto" latinLnBrk="0" hangingPunct="1">
-              <a:lnSpc>
-                <a:spcPct val="100000"/>
-              </a:lnSpc>
-              <a:spcBef>
-                <a:spcPct val="20000"/>
-              </a:spcBef>
-              <a:spcAft>
-                <a:spcPts val="0"/>
-              </a:spcAft>
-              <a:buClrTx/>
-              <a:buSzTx/>
-              <a:buFont typeface="Arial" pitchFamily="34" charset="0"/>
-              <a:buNone/>
-              <a:tabLst/>
-              <a:defRPr/>
-            </a:pPr>
-            <a:r>
-              <a:rPr kumimoji="0" lang="en-US" sz="3000" b="0" i="0" u="none" strike="noStrike" kern="1200" cap="none" spc="0" normalizeH="0" baseline="0" noProof="0" dirty="0" smtClean="0">
-                <a:ln>
-                  <a:noFill/>
-                </a:ln>
-                <a:solidFill>
-                  <a:schemeClr val="tx1"/>
-                </a:solidFill>
-                <a:effectLst/>
-                <a:uLnTx/>
-                <a:uFillTx/>
-                <a:latin typeface="+mn-lt"/>
-                <a:ea typeface="+mn-ea"/>
-                <a:cs typeface="+mn-cs"/>
-              </a:rPr>
-              <a:t>    This type tests the basic functionality of the client server system to ensure the client and server can interact as expected.</a:t>
-            </a:r>
-          </a:p>
-          <a:p>
-            <a:pPr marL="342900" marR="0" lvl="0" indent="-342900" algn="just" defTabSz="914400" rtl="0" eaLnBrk="1" fontAlgn="auto" latinLnBrk="0" hangingPunct="1">
-              <a:lnSpc>
-                <a:spcPct val="100000"/>
-              </a:lnSpc>
-              <a:spcBef>
-                <a:spcPct val="20000"/>
-              </a:spcBef>
-              <a:spcAft>
-                <a:spcPts val="0"/>
-              </a:spcAft>
-              <a:buClrTx/>
-              <a:buSzTx/>
-              <a:buFont typeface="Arial" pitchFamily="34" charset="0"/>
-              <a:buNone/>
-              <a:tabLst/>
-              <a:defRPr/>
-            </a:pPr>
-            <a:r>
-              <a:rPr kumimoji="0" lang="en-US" sz="3000" b="0" i="0" u="none" strike="noStrike" kern="1200" cap="none" spc="0" normalizeH="0" baseline="0" noProof="0" dirty="0" smtClean="0">
-                <a:ln>
-                  <a:noFill/>
-                </a:ln>
-                <a:solidFill>
-                  <a:schemeClr val="tx1"/>
-                </a:solidFill>
-                <a:effectLst/>
-                <a:uLnTx/>
-                <a:uFillTx/>
-                <a:latin typeface="+mn-lt"/>
-                <a:ea typeface="+mn-ea"/>
-                <a:cs typeface="+mn-cs"/>
-              </a:rPr>
-              <a:t> It checks:</a:t>
-            </a:r>
-          </a:p>
-          <a:p>
-            <a:pPr marL="342900" marR="0" lvl="0" indent="-342900" algn="l" defTabSz="914400" rtl="0" eaLnBrk="1" fontAlgn="auto" latinLnBrk="0" hangingPunct="1">
-              <a:lnSpc>
-                <a:spcPct val="100000"/>
-              </a:lnSpc>
-              <a:spcBef>
-                <a:spcPct val="20000"/>
-              </a:spcBef>
-              <a:spcAft>
-                <a:spcPts val="0"/>
-              </a:spcAft>
-              <a:buClrTx/>
-              <a:buSzTx/>
+            <a:pPr algn="just">
               <a:buFont typeface="Wingdings" pitchFamily="2" charset="2"/>
               <a:buChar char="v"/>
-              <a:tabLst/>
-              <a:defRPr/>
             </a:pPr>
             <a:r>
-              <a:rPr kumimoji="0" lang="en-US" sz="3000" b="0" i="0" u="none" strike="noStrike" kern="1200" cap="none" spc="0" normalizeH="0" baseline="0" noProof="0" dirty="0" smtClean="0">
-                <a:ln>
-                  <a:noFill/>
-                </a:ln>
-                <a:solidFill>
-                  <a:schemeClr val="tx1"/>
-                </a:solidFill>
-                <a:effectLst/>
-                <a:uLnTx/>
-                <a:uFillTx/>
-                <a:latin typeface="+mn-lt"/>
-                <a:ea typeface="+mn-ea"/>
-                <a:cs typeface="+mn-cs"/>
-              </a:rPr>
-              <a:t>User inputs and system responses.</a:t>
-            </a:r>
-          </a:p>
-          <a:p>
-            <a:pPr marL="342900" marR="0" lvl="0" indent="-342900" algn="l" defTabSz="914400" rtl="0" eaLnBrk="1" fontAlgn="auto" latinLnBrk="0" hangingPunct="1">
-              <a:lnSpc>
-                <a:spcPct val="100000"/>
-              </a:lnSpc>
-              <a:spcBef>
-                <a:spcPct val="20000"/>
-              </a:spcBef>
-              <a:spcAft>
-                <a:spcPts val="0"/>
-              </a:spcAft>
-              <a:buClrTx/>
-              <a:buSzTx/>
+              <a:rPr lang="en-US" b="1" dirty="0"/>
+              <a:t>Client-server testing </a:t>
+            </a:r>
+            <a:r>
+              <a:rPr lang="en-US" dirty="0"/>
+              <a:t>is a type of testing that focuses on validating the interactions and functionality between the client and server components of a distributed system. </a:t>
+            </a:r>
+            <a:endParaRPr lang="en-US" dirty="0" smtClean="0"/>
+          </a:p>
+          <a:p>
+            <a:pPr algn="just">
               <a:buFont typeface="Wingdings" pitchFamily="2" charset="2"/>
               <a:buChar char="v"/>
-              <a:tabLst/>
-              <a:defRPr/>
             </a:pPr>
             <a:r>
-              <a:rPr kumimoji="0" lang="en-US" sz="3000" b="0" i="0" u="none" strike="noStrike" kern="1200" cap="none" spc="0" normalizeH="0" baseline="0" noProof="0" dirty="0" smtClean="0">
-                <a:ln>
-                  <a:noFill/>
-                </a:ln>
-                <a:solidFill>
-                  <a:schemeClr val="tx1"/>
-                </a:solidFill>
-                <a:effectLst/>
-                <a:uLnTx/>
-                <a:uFillTx/>
-                <a:latin typeface="+mn-lt"/>
-                <a:ea typeface="+mn-ea"/>
-                <a:cs typeface="+mn-cs"/>
-              </a:rPr>
-              <a:t>Communication between client and server.</a:t>
-            </a:r>
-          </a:p>
-          <a:p>
-            <a:pPr marL="342900" marR="0" lvl="0" indent="-342900" algn="l" defTabSz="914400" rtl="0" eaLnBrk="1" fontAlgn="auto" latinLnBrk="0" hangingPunct="1">
-              <a:lnSpc>
-                <a:spcPct val="100000"/>
-              </a:lnSpc>
-              <a:spcBef>
-                <a:spcPct val="20000"/>
-              </a:spcBef>
-              <a:spcAft>
-                <a:spcPts val="0"/>
-              </a:spcAft>
-              <a:buClrTx/>
-              <a:buSzTx/>
-              <a:buFont typeface="Wingdings" pitchFamily="2" charset="2"/>
-              <a:buChar char="v"/>
-              <a:tabLst/>
-              <a:defRPr/>
-            </a:pPr>
-            <a:r>
-              <a:rPr kumimoji="0" lang="en-US" sz="3000" b="0" i="0" u="none" strike="noStrike" kern="1200" cap="none" spc="0" normalizeH="0" baseline="0" noProof="0" dirty="0" smtClean="0">
-                <a:ln>
-                  <a:noFill/>
-                </a:ln>
-                <a:solidFill>
-                  <a:schemeClr val="tx1"/>
-                </a:solidFill>
-                <a:effectLst/>
-                <a:uLnTx/>
-                <a:uFillTx/>
-                <a:latin typeface="+mn-lt"/>
-                <a:ea typeface="+mn-ea"/>
-                <a:cs typeface="+mn-cs"/>
-              </a:rPr>
-              <a:t>Validity of data exchange.</a:t>
-            </a:r>
-          </a:p>
-          <a:p>
-            <a:pPr marL="342900" marR="0" lvl="0" indent="-342900" algn="l" defTabSz="914400" rtl="0" eaLnBrk="1" fontAlgn="auto" latinLnBrk="0" hangingPunct="1">
-              <a:lnSpc>
-                <a:spcPct val="100000"/>
-              </a:lnSpc>
-              <a:spcBef>
-                <a:spcPct val="20000"/>
-              </a:spcBef>
-              <a:spcAft>
-                <a:spcPts val="0"/>
-              </a:spcAft>
-              <a:buClrTx/>
-              <a:buSzTx/>
-              <a:buFont typeface="Wingdings" pitchFamily="2" charset="2"/>
-              <a:buChar char="v"/>
-              <a:tabLst/>
-              <a:defRPr/>
-            </a:pPr>
-            <a:r>
-              <a:rPr kumimoji="0" lang="en-US" sz="3000" b="0" i="0" u="none" strike="noStrike" kern="1200" cap="none" spc="0" normalizeH="0" baseline="0" noProof="0" dirty="0" smtClean="0">
-                <a:ln>
-                  <a:noFill/>
-                </a:ln>
-                <a:solidFill>
-                  <a:schemeClr val="tx1"/>
-                </a:solidFill>
-                <a:effectLst/>
-                <a:uLnTx/>
-                <a:uFillTx/>
-                <a:latin typeface="+mn-lt"/>
-                <a:ea typeface="+mn-ea"/>
-                <a:cs typeface="+mn-cs"/>
-              </a:rPr>
-              <a:t>Correctness of database operations.</a:t>
-            </a:r>
-          </a:p>
-          <a:p>
-            <a:pPr marL="342900" marR="0" lvl="0" indent="-342900" algn="l" defTabSz="914400" rtl="0" eaLnBrk="1" fontAlgn="auto" latinLnBrk="0" hangingPunct="1">
-              <a:lnSpc>
-                <a:spcPct val="100000"/>
-              </a:lnSpc>
-              <a:spcBef>
-                <a:spcPct val="20000"/>
-              </a:spcBef>
-              <a:spcAft>
-                <a:spcPts val="0"/>
-              </a:spcAft>
-              <a:buClrTx/>
-              <a:buSzTx/>
-              <a:buFont typeface="Arial" pitchFamily="34" charset="0"/>
-              <a:buNone/>
-              <a:tabLst/>
-              <a:defRPr/>
-            </a:pPr>
-            <a:endParaRPr kumimoji="0" lang="en-US" sz="3000" b="0" i="0" u="none" strike="noStrike" kern="1200" cap="none" spc="0" normalizeH="0" baseline="0" noProof="0" dirty="0" smtClean="0">
-              <a:ln>
-                <a:noFill/>
-              </a:ln>
-              <a:solidFill>
-                <a:schemeClr val="tx1"/>
-              </a:solidFill>
-              <a:effectLst/>
-              <a:uLnTx/>
-              <a:uFillTx/>
-              <a:latin typeface="+mn-lt"/>
-              <a:ea typeface="+mn-ea"/>
-              <a:cs typeface="+mn-cs"/>
-            </a:endParaRPr>
+              <a:rPr lang="en-US" dirty="0" smtClean="0"/>
+              <a:t>In </a:t>
+            </a:r>
+            <a:r>
+              <a:rPr lang="en-US" dirty="0"/>
+              <a:t>a client-server architecture, the client and server are two separate entities that communicate over a network. The client is </a:t>
+            </a:r>
+            <a:r>
+              <a:rPr lang="en-US" b="1" dirty="0"/>
+              <a:t>responsible for requesting services or resources</a:t>
+            </a:r>
+            <a:r>
+              <a:rPr lang="en-US" dirty="0"/>
+              <a:t>, and the server is </a:t>
+            </a:r>
+            <a:r>
+              <a:rPr lang="en-US" b="1" dirty="0"/>
+              <a:t>responsible for fulfilling those requests</a:t>
+            </a:r>
+          </a:p>
+        </p:txBody>
+      </p:sp>
+      <p:sp>
+        <p:nvSpPr>
+          <p:cNvPr id="4" name="Date Placeholder 3"/>
+          <p:cNvSpPr>
+            <a:spLocks noGrp="1"/>
+          </p:cNvSpPr>
+          <p:nvPr>
+            <p:ph type="dt" sz="half" idx="10"/>
+          </p:nvPr>
+        </p:nvSpPr>
+        <p:spPr/>
+        <p:txBody>
+          <a:bodyPr/>
+          <a:lstStyle/>
+          <a:p>
+            <a:r>
+              <a:rPr lang="en-US" smtClean="0"/>
+              <a:t>10/4/2024</a:t>
+            </a:r>
+            <a:endParaRPr lang="en-US"/>
+          </a:p>
+        </p:txBody>
+      </p:sp>
+      <p:sp>
+        <p:nvSpPr>
+          <p:cNvPr id="7" name="Slide Number Placeholder 6"/>
+          <p:cNvSpPr>
+            <a:spLocks noGrp="1"/>
+          </p:cNvSpPr>
+          <p:nvPr>
+            <p:ph type="sldNum" sz="quarter" idx="12"/>
+          </p:nvPr>
+        </p:nvSpPr>
+        <p:spPr/>
+        <p:txBody>
+          <a:bodyPr/>
+          <a:lstStyle/>
+          <a:p>
+            <a:fld id="{1D3CDB4E-4FB5-4460-9B40-33485DAECA60}" type="slidenum">
+              <a:rPr lang="en-US" smtClean="0"/>
+              <a:pPr/>
+              <a:t>3</a:t>
+            </a:fld>
+            <a:endParaRPr lang="en-US"/>
+          </a:p>
+        </p:txBody>
+      </p:sp>
+      <p:sp>
+        <p:nvSpPr>
+          <p:cNvPr id="8" name="Footer Placeholder 7"/>
+          <p:cNvSpPr>
+            <a:spLocks noGrp="1"/>
+          </p:cNvSpPr>
+          <p:nvPr>
+            <p:ph type="ftr" sz="quarter" idx="11"/>
+          </p:nvPr>
+        </p:nvSpPr>
+        <p:spPr/>
+        <p:txBody>
+          <a:bodyPr/>
+          <a:lstStyle/>
+          <a:p>
+            <a:r>
+              <a:rPr lang="en-US" smtClean="0"/>
+              <a:t>STMT</a:t>
+            </a:r>
+            <a:endParaRPr lang="en-US"/>
           </a:p>
         </p:txBody>
       </p:sp>
@@ -4941,70 +4959,84 @@
           <a:bodyPr/>
           <a:lstStyle/>
           <a:p>
-            <a:fld id="{F1F1A6F3-ABAA-4347-B150-3D86F8936258}" type="datetime1">
-              <a:rPr lang="en-US" smtClean="0"/>
-              <a:t>10/3/2024</a:t>
-            </a:fld>
-            <a:endParaRPr lang="en-US"/>
-          </a:p>
-        </p:txBody>
-      </p:sp>
-      <p:sp>
-        <p:nvSpPr>
-          <p:cNvPr id="3" name="Footer Placeholder 2"/>
-          <p:cNvSpPr>
-            <a:spLocks noGrp="1"/>
-          </p:cNvSpPr>
-          <p:nvPr>
-            <p:ph type="ftr" sz="quarter" idx="11"/>
-          </p:nvPr>
-        </p:nvSpPr>
-        <p:spPr/>
-        <p:txBody>
-          <a:bodyPr/>
-          <a:lstStyle/>
-          <a:p>
-            <a:r>
-              <a:rPr lang="en-US" smtClean="0"/>
-              <a:t>STMT</a:t>
-            </a:r>
-            <a:endParaRPr lang="en-US"/>
-          </a:p>
-        </p:txBody>
-      </p:sp>
-      <p:sp>
-        <p:nvSpPr>
-          <p:cNvPr id="4" name="Slide Number Placeholder 3"/>
-          <p:cNvSpPr>
-            <a:spLocks noGrp="1"/>
-          </p:cNvSpPr>
-          <p:nvPr>
-            <p:ph type="sldNum" sz="quarter" idx="12"/>
-          </p:nvPr>
-        </p:nvSpPr>
-        <p:spPr/>
-        <p:txBody>
-          <a:bodyPr/>
-          <a:lstStyle/>
-          <a:p>
-            <a:fld id="{1D3CDB4E-4FB5-4460-9B40-33485DAECA60}" type="slidenum">
-              <a:rPr lang="en-US" smtClean="0"/>
-              <a:t>4</a:t>
-            </a:fld>
-            <a:endParaRPr lang="en-US"/>
-          </a:p>
-        </p:txBody>
-      </p:sp>
-      <p:sp>
-        <p:nvSpPr>
-          <p:cNvPr id="5" name="Rectangle 4"/>
-          <p:cNvSpPr/>
+            <a:r>
+              <a:rPr lang="en-US" smtClean="0"/>
+              <a:t>10/4/2024</a:t>
+            </a:r>
+            <a:endParaRPr lang="en-US"/>
+          </a:p>
+        </p:txBody>
+      </p:sp>
+      <p:sp>
+        <p:nvSpPr>
+          <p:cNvPr id="5" name="Title 1"/>
+          <p:cNvSpPr txBox="1">
+            <a:spLocks/>
+          </p:cNvSpPr>
           <p:nvPr/>
         </p:nvSpPr>
         <p:spPr>
           <a:xfrm>
-            <a:off x="457200" y="228600"/>
-            <a:ext cx="8229600" cy="6170176"/>
+            <a:off x="457200" y="0"/>
+            <a:ext cx="8229600" cy="914400"/>
+          </a:xfrm>
+          <a:prstGeom prst="rect">
+            <a:avLst/>
+          </a:prstGeom>
+        </p:spPr>
+        <p:txBody>
+          <a:bodyPr/>
+          <a:lstStyle/>
+          <a:p>
+            <a:pPr marL="0" marR="0" lvl="0" indent="0" algn="ctr" defTabSz="914400" rtl="0" eaLnBrk="1" fontAlgn="auto" latinLnBrk="0" hangingPunct="1">
+              <a:lnSpc>
+                <a:spcPct val="100000"/>
+              </a:lnSpc>
+              <a:spcBef>
+                <a:spcPct val="0"/>
+              </a:spcBef>
+              <a:spcAft>
+                <a:spcPts val="0"/>
+              </a:spcAft>
+              <a:buClrTx/>
+              <a:buSzTx/>
+              <a:buFontTx/>
+              <a:buNone/>
+              <a:tabLst/>
+              <a:defRPr/>
+            </a:pPr>
+            <a:r>
+              <a:rPr kumimoji="0" lang="en-US" sz="4400" b="0" i="0" u="none" strike="noStrike" kern="1200" cap="none" spc="0" normalizeH="0" baseline="0" noProof="0" dirty="0" smtClean="0">
+                <a:ln>
+                  <a:noFill/>
+                </a:ln>
+                <a:solidFill>
+                  <a:srgbClr val="FF0000"/>
+                </a:solidFill>
+                <a:effectLst/>
+                <a:uLnTx/>
+                <a:uFillTx/>
+                <a:latin typeface="+mj-lt"/>
+                <a:ea typeface="+mj-ea"/>
+                <a:cs typeface="+mj-cs"/>
+              </a:rPr>
+              <a:t>Types of Client-Server Testing</a:t>
+            </a:r>
+          </a:p>
+        </p:txBody>
+      </p:sp>
+      <p:sp>
+        <p:nvSpPr>
+          <p:cNvPr id="6" name="Content Placeholder 2"/>
+          <p:cNvSpPr txBox="1">
+            <a:spLocks/>
+          </p:cNvSpPr>
+          <p:nvPr/>
+        </p:nvSpPr>
+        <p:spPr>
+          <a:xfrm>
+            <a:off x="304800" y="990600"/>
+            <a:ext cx="8458200" cy="5135563"/>
           </a:xfrm>
           <a:prstGeom prst="rect">
             <a:avLst/>
@@ -5014,110 +5046,341 @@
           </a:ln>
         </p:spPr>
         <p:txBody>
-          <a:bodyPr wrap="square">
-            <a:spAutoFit/>
+          <a:bodyPr>
+            <a:noAutofit/>
           </a:bodyPr>
           <a:lstStyle/>
           <a:p>
-            <a:pPr algn="just">
-              <a:buNone/>
+            <a:pPr marL="342900" marR="0" lvl="0" indent="-342900" algn="l" defTabSz="914400" rtl="0" eaLnBrk="1" fontAlgn="auto" latinLnBrk="0" hangingPunct="1">
+              <a:lnSpc>
+                <a:spcPct val="100000"/>
+              </a:lnSpc>
+              <a:spcBef>
+                <a:spcPct val="20000"/>
+              </a:spcBef>
+              <a:spcAft>
+                <a:spcPts val="0"/>
+              </a:spcAft>
+              <a:buClrTx/>
+              <a:buSzTx/>
+              <a:buFont typeface="Arial" pitchFamily="34" charset="0"/>
+              <a:buNone/>
+              <a:tabLst/>
+              <a:defRPr/>
             </a:pPr>
             <a:r>
-              <a:rPr lang="en-US" sz="3000" b="1" dirty="0" smtClean="0"/>
-              <a:t>Performance Testing</a:t>
-            </a:r>
-          </a:p>
-          <a:p>
-            <a:pPr algn="just"/>
-            <a:r>
-              <a:rPr lang="en-US" sz="3000" dirty="0" smtClean="0"/>
-              <a:t>Performance testing evaluates the responsiveness and stability of the client-server system under various conditions, such as:</a:t>
-            </a:r>
-          </a:p>
-          <a:p>
-            <a:pPr algn="just">
+              <a:rPr kumimoji="0" lang="en-US" sz="3000" b="1" i="0" u="none" strike="noStrike" kern="1200" cap="none" spc="0" normalizeH="0" baseline="0" noProof="0" dirty="0" smtClean="0">
+                <a:ln>
+                  <a:noFill/>
+                </a:ln>
+                <a:solidFill>
+                  <a:schemeClr val="tx1"/>
+                </a:solidFill>
+                <a:effectLst/>
+                <a:uLnTx/>
+                <a:uFillTx/>
+                <a:latin typeface="+mn-lt"/>
+                <a:ea typeface="+mn-ea"/>
+                <a:cs typeface="+mn-cs"/>
+              </a:rPr>
+              <a:t>Functionality Testing</a:t>
+            </a:r>
+          </a:p>
+          <a:p>
+            <a:pPr marL="342900" marR="0" lvl="0" indent="-342900" algn="just" defTabSz="914400" rtl="0" eaLnBrk="1" fontAlgn="auto" latinLnBrk="0" hangingPunct="1">
+              <a:lnSpc>
+                <a:spcPct val="100000"/>
+              </a:lnSpc>
+              <a:spcBef>
+                <a:spcPct val="20000"/>
+              </a:spcBef>
+              <a:spcAft>
+                <a:spcPts val="0"/>
+              </a:spcAft>
+              <a:buClrTx/>
+              <a:buSzTx/>
+              <a:buFont typeface="Arial" pitchFamily="34" charset="0"/>
+              <a:buNone/>
+              <a:tabLst/>
+              <a:defRPr/>
+            </a:pPr>
+            <a:r>
+              <a:rPr kumimoji="0" lang="en-US" sz="3000" b="0" i="0" u="none" strike="noStrike" kern="1200" cap="none" spc="0" normalizeH="0" baseline="0" noProof="0" dirty="0" smtClean="0">
+                <a:ln>
+                  <a:noFill/>
+                </a:ln>
+                <a:solidFill>
+                  <a:schemeClr val="tx1"/>
+                </a:solidFill>
+                <a:effectLst/>
+                <a:uLnTx/>
+                <a:uFillTx/>
+                <a:latin typeface="+mn-lt"/>
+                <a:ea typeface="+mn-ea"/>
+                <a:cs typeface="+mn-cs"/>
+              </a:rPr>
+              <a:t>    This type tests the basic functionality of the client server system to ensure the client and server can interact as expected.</a:t>
+            </a:r>
+          </a:p>
+          <a:p>
+            <a:pPr marL="342900" marR="0" lvl="0" indent="-342900" algn="just" defTabSz="914400" rtl="0" eaLnBrk="1" fontAlgn="auto" latinLnBrk="0" hangingPunct="1">
+              <a:lnSpc>
+                <a:spcPct val="100000"/>
+              </a:lnSpc>
+              <a:spcBef>
+                <a:spcPct val="20000"/>
+              </a:spcBef>
+              <a:spcAft>
+                <a:spcPts val="0"/>
+              </a:spcAft>
+              <a:buClrTx/>
+              <a:buSzTx/>
+              <a:buFont typeface="Arial" pitchFamily="34" charset="0"/>
+              <a:buNone/>
+              <a:tabLst/>
+              <a:defRPr/>
+            </a:pPr>
+            <a:r>
+              <a:rPr kumimoji="0" lang="en-US" sz="3000" b="0" i="0" u="none" strike="noStrike" kern="1200" cap="none" spc="0" normalizeH="0" baseline="0" noProof="0" dirty="0" smtClean="0">
+                <a:ln>
+                  <a:noFill/>
+                </a:ln>
+                <a:solidFill>
+                  <a:schemeClr val="tx1"/>
+                </a:solidFill>
+                <a:effectLst/>
+                <a:uLnTx/>
+                <a:uFillTx/>
+                <a:latin typeface="+mn-lt"/>
+                <a:ea typeface="+mn-ea"/>
+                <a:cs typeface="+mn-cs"/>
+              </a:rPr>
+              <a:t> It checks:</a:t>
+            </a:r>
+          </a:p>
+          <a:p>
+            <a:pPr marL="342900" marR="0" lvl="0" indent="-342900" algn="l" defTabSz="914400" rtl="0" eaLnBrk="1" fontAlgn="auto" latinLnBrk="0" hangingPunct="1">
+              <a:lnSpc>
+                <a:spcPct val="100000"/>
+              </a:lnSpc>
+              <a:spcBef>
+                <a:spcPct val="20000"/>
+              </a:spcBef>
+              <a:spcAft>
+                <a:spcPts val="0"/>
+              </a:spcAft>
+              <a:buClrTx/>
+              <a:buSzTx/>
               <a:buFont typeface="Wingdings" pitchFamily="2" charset="2"/>
               <a:buChar char="v"/>
+              <a:tabLst/>
+              <a:defRPr/>
             </a:pPr>
             <a:r>
-              <a:rPr lang="en-US" sz="3000" b="1" dirty="0" smtClean="0">
+              <a:rPr kumimoji="0" lang="en-US" sz="3000" b="0" i="0" u="none" strike="noStrike" kern="1200" cap="none" spc="0" normalizeH="0" baseline="0" noProof="0" dirty="0" smtClean="0">
+                <a:ln>
+                  <a:noFill/>
+                </a:ln>
                 <a:solidFill>
-                  <a:schemeClr val="tx1">
-                    <a:lumMod val="85000"/>
-                    <a:lumOff val="15000"/>
-                  </a:schemeClr>
+                  <a:schemeClr val="tx1"/>
                 </a:solidFill>
+                <a:effectLst/>
+                <a:uLnTx/>
+                <a:uFillTx/>
+                <a:latin typeface="+mn-lt"/>
+                <a:ea typeface="+mn-ea"/>
+                <a:cs typeface="+mn-cs"/>
               </a:rPr>
-              <a:t>Load testing</a:t>
-            </a:r>
-            <a:r>
-              <a:rPr lang="en-US" sz="3000" dirty="0" smtClean="0"/>
-              <a:t>: Assessing the system under expected      or peak load conditions.</a:t>
-            </a:r>
-          </a:p>
-          <a:p>
-            <a:pPr algn="just">
+              <a:t>User inputs and system responses.</a:t>
+            </a:r>
+          </a:p>
+          <a:p>
+            <a:pPr marL="342900" marR="0" lvl="0" indent="-342900" algn="l" defTabSz="914400" rtl="0" eaLnBrk="1" fontAlgn="auto" latinLnBrk="0" hangingPunct="1">
+              <a:lnSpc>
+                <a:spcPct val="100000"/>
+              </a:lnSpc>
+              <a:spcBef>
+                <a:spcPct val="20000"/>
+              </a:spcBef>
+              <a:spcAft>
+                <a:spcPts val="0"/>
+              </a:spcAft>
+              <a:buClrTx/>
+              <a:buSzTx/>
               <a:buFont typeface="Wingdings" pitchFamily="2" charset="2"/>
               <a:buChar char="v"/>
+              <a:tabLst/>
+              <a:defRPr/>
             </a:pPr>
             <a:r>
-              <a:rPr lang="en-US" sz="3000" b="1" dirty="0" smtClean="0">
+              <a:rPr kumimoji="0" lang="en-US" sz="3000" b="0" i="0" u="none" strike="noStrike" kern="1200" cap="none" spc="0" normalizeH="0" baseline="0" noProof="0" dirty="0" smtClean="0">
+                <a:ln>
+                  <a:noFill/>
+                </a:ln>
                 <a:solidFill>
-                  <a:schemeClr val="tx1">
-                    <a:lumMod val="85000"/>
-                    <a:lumOff val="15000"/>
-                  </a:schemeClr>
+                  <a:schemeClr val="tx1"/>
                 </a:solidFill>
+                <a:effectLst/>
+                <a:uLnTx/>
+                <a:uFillTx/>
+                <a:latin typeface="+mn-lt"/>
+                <a:ea typeface="+mn-ea"/>
+                <a:cs typeface="+mn-cs"/>
               </a:rPr>
-              <a:t>Stress testing</a:t>
-            </a:r>
-            <a:r>
-              <a:rPr lang="en-US" sz="3000" dirty="0" smtClean="0"/>
-              <a:t>: Testing beyond normal operational capacity to determine the system’s breaking point.</a:t>
-            </a:r>
-          </a:p>
-          <a:p>
-            <a:pPr algn="just">
+              <a:t>Communication between client and server.</a:t>
+            </a:r>
+          </a:p>
+          <a:p>
+            <a:pPr marL="342900" marR="0" lvl="0" indent="-342900" algn="l" defTabSz="914400" rtl="0" eaLnBrk="1" fontAlgn="auto" latinLnBrk="0" hangingPunct="1">
+              <a:lnSpc>
+                <a:spcPct val="100000"/>
+              </a:lnSpc>
+              <a:spcBef>
+                <a:spcPct val="20000"/>
+              </a:spcBef>
+              <a:spcAft>
+                <a:spcPts val="0"/>
+              </a:spcAft>
+              <a:buClrTx/>
+              <a:buSzTx/>
               <a:buFont typeface="Wingdings" pitchFamily="2" charset="2"/>
               <a:buChar char="v"/>
+              <a:tabLst/>
+              <a:defRPr/>
             </a:pPr>
             <a:r>
-              <a:rPr lang="en-US" sz="3000" b="1" dirty="0" smtClean="0">
+              <a:rPr kumimoji="0" lang="en-US" sz="3000" b="0" i="0" u="none" strike="noStrike" kern="1200" cap="none" spc="0" normalizeH="0" baseline="0" noProof="0" dirty="0" smtClean="0">
+                <a:ln>
+                  <a:noFill/>
+                </a:ln>
                 <a:solidFill>
-                  <a:schemeClr val="tx1">
-                    <a:lumMod val="85000"/>
-                    <a:lumOff val="15000"/>
-                  </a:schemeClr>
+                  <a:schemeClr val="tx1"/>
                 </a:solidFill>
+                <a:effectLst/>
+                <a:uLnTx/>
+                <a:uFillTx/>
+                <a:latin typeface="+mn-lt"/>
+                <a:ea typeface="+mn-ea"/>
+                <a:cs typeface="+mn-cs"/>
               </a:rPr>
-              <a:t>Throughput</a:t>
-            </a:r>
-            <a:r>
-              <a:rPr lang="en-US" sz="3000" dirty="0" smtClean="0"/>
-              <a:t>: Measuring the amount of data transferred between client and server over a time period.</a:t>
-            </a:r>
-          </a:p>
-          <a:p>
-            <a:pPr algn="just">
+              <a:t>Validity of data exchange.</a:t>
+            </a:r>
+          </a:p>
+          <a:p>
+            <a:pPr marL="342900" marR="0" lvl="0" indent="-342900" algn="l" defTabSz="914400" rtl="0" eaLnBrk="1" fontAlgn="auto" latinLnBrk="0" hangingPunct="1">
+              <a:lnSpc>
+                <a:spcPct val="100000"/>
+              </a:lnSpc>
+              <a:spcBef>
+                <a:spcPct val="20000"/>
+              </a:spcBef>
+              <a:spcAft>
+                <a:spcPts val="0"/>
+              </a:spcAft>
+              <a:buClrTx/>
+              <a:buSzTx/>
               <a:buFont typeface="Wingdings" pitchFamily="2" charset="2"/>
               <a:buChar char="v"/>
+              <a:tabLst/>
+              <a:defRPr/>
             </a:pPr>
             <a:r>
-              <a:rPr lang="en-US" sz="3000" b="1" dirty="0" smtClean="0">
+              <a:rPr kumimoji="0" lang="en-US" sz="3000" b="0" i="0" u="none" strike="noStrike" kern="1200" cap="none" spc="0" normalizeH="0" baseline="0" noProof="0" dirty="0" smtClean="0">
+                <a:ln>
+                  <a:noFill/>
+                </a:ln>
                 <a:solidFill>
-                  <a:schemeClr val="tx1">
-                    <a:lumMod val="85000"/>
-                    <a:lumOff val="15000"/>
-                  </a:schemeClr>
+                  <a:schemeClr val="tx1"/>
                 </a:solidFill>
+                <a:effectLst/>
+                <a:uLnTx/>
+                <a:uFillTx/>
+                <a:latin typeface="+mn-lt"/>
+                <a:ea typeface="+mn-ea"/>
+                <a:cs typeface="+mn-cs"/>
               </a:rPr>
-              <a:t>Latency testing</a:t>
-            </a:r>
-            <a:r>
-              <a:rPr lang="en-US" sz="3000" dirty="0" smtClean="0"/>
-              <a:t>: Measuring the delay between sending a request and receiving a response.</a:t>
-            </a:r>
-            <a:endParaRPr lang="en-US" sz="3000" dirty="0"/>
+              <a:t>Correctness of database operations.</a:t>
+            </a:r>
+          </a:p>
+          <a:p>
+            <a:pPr marL="342900" marR="0" lvl="0" indent="-342900" algn="l" defTabSz="914400" rtl="0" eaLnBrk="1" fontAlgn="auto" latinLnBrk="0" hangingPunct="1">
+              <a:lnSpc>
+                <a:spcPct val="100000"/>
+              </a:lnSpc>
+              <a:spcBef>
+                <a:spcPct val="20000"/>
+              </a:spcBef>
+              <a:spcAft>
+                <a:spcPts val="0"/>
+              </a:spcAft>
+              <a:buClrTx/>
+              <a:buSzTx/>
+              <a:buFont typeface="Arial" pitchFamily="34" charset="0"/>
+              <a:buNone/>
+              <a:tabLst/>
+              <a:defRPr/>
+            </a:pPr>
+            <a:endParaRPr kumimoji="0" lang="en-US" sz="3000" b="0" i="0" u="none" strike="noStrike" kern="1200" cap="none" spc="0" normalizeH="0" baseline="0" noProof="0" dirty="0" smtClean="0">
+              <a:ln>
+                <a:noFill/>
+              </a:ln>
+              <a:solidFill>
+                <a:schemeClr val="tx1"/>
+              </a:solidFill>
+              <a:effectLst/>
+              <a:uLnTx/>
+              <a:uFillTx/>
+              <a:latin typeface="+mn-lt"/>
+              <a:ea typeface="+mn-ea"/>
+              <a:cs typeface="+mn-cs"/>
+            </a:endParaRPr>
+          </a:p>
+        </p:txBody>
+      </p:sp>
+      <p:sp>
+        <p:nvSpPr>
+          <p:cNvPr id="7" name="Slide Number Placeholder 6"/>
+          <p:cNvSpPr>
+            <a:spLocks noGrp="1"/>
+          </p:cNvSpPr>
+          <p:nvPr>
+            <p:ph type="sldNum" sz="quarter" idx="12"/>
+          </p:nvPr>
+        </p:nvSpPr>
+        <p:spPr/>
+        <p:txBody>
+          <a:bodyPr/>
+          <a:lstStyle/>
+          <a:p>
+            <a:fld id="{1D3CDB4E-4FB5-4460-9B40-33485DAECA60}" type="slidenum">
+              <a:rPr lang="en-US" smtClean="0"/>
+              <a:pPr/>
+              <a:t>4</a:t>
+            </a:fld>
+            <a:endParaRPr lang="en-US"/>
+          </a:p>
+        </p:txBody>
+      </p:sp>
+      <p:sp>
+        <p:nvSpPr>
+          <p:cNvPr id="8" name="Footer Placeholder 7"/>
+          <p:cNvSpPr>
+            <a:spLocks noGrp="1"/>
+          </p:cNvSpPr>
+          <p:nvPr>
+            <p:ph type="ftr" sz="quarter" idx="11"/>
+          </p:nvPr>
+        </p:nvSpPr>
+        <p:spPr/>
+        <p:txBody>
+          <a:bodyPr/>
+          <a:lstStyle/>
+          <a:p>
+            <a:r>
+              <a:rPr lang="en-US" smtClean="0"/>
+              <a:t>STMT</a:t>
+            </a:r>
+            <a:endParaRPr lang="en-US"/>
           </a:p>
         </p:txBody>
       </p:sp>
@@ -5168,154 +5431,184 @@
           <a:bodyPr/>
           <a:lstStyle/>
           <a:p>
-            <a:fld id="{F1F1A6F3-ABAA-4347-B150-3D86F8936258}" type="datetime1">
-              <a:rPr lang="en-US" smtClean="0"/>
-              <a:t>10/3/2024</a:t>
-            </a:fld>
-            <a:endParaRPr lang="en-US"/>
-          </a:p>
-        </p:txBody>
-      </p:sp>
-      <p:sp>
-        <p:nvSpPr>
-          <p:cNvPr id="3" name="Footer Placeholder 2"/>
-          <p:cNvSpPr>
-            <a:spLocks noGrp="1"/>
-          </p:cNvSpPr>
-          <p:nvPr>
-            <p:ph type="ftr" sz="quarter" idx="11"/>
-          </p:nvPr>
-        </p:nvSpPr>
-        <p:spPr/>
-        <p:txBody>
-          <a:bodyPr/>
-          <a:lstStyle/>
-          <a:p>
-            <a:r>
-              <a:rPr lang="en-US" smtClean="0"/>
-              <a:t>STMT</a:t>
-            </a:r>
-            <a:endParaRPr lang="en-US"/>
-          </a:p>
-        </p:txBody>
-      </p:sp>
-      <p:sp>
-        <p:nvSpPr>
-          <p:cNvPr id="4" name="Slide Number Placeholder 3"/>
-          <p:cNvSpPr>
-            <a:spLocks noGrp="1"/>
-          </p:cNvSpPr>
-          <p:nvPr>
-            <p:ph type="sldNum" sz="quarter" idx="12"/>
-          </p:nvPr>
-        </p:nvSpPr>
-        <p:spPr/>
-        <p:txBody>
-          <a:bodyPr/>
-          <a:lstStyle/>
-          <a:p>
-            <a:fld id="{1D3CDB4E-4FB5-4460-9B40-33485DAECA60}" type="slidenum">
-              <a:rPr lang="en-US" smtClean="0"/>
-              <a:t>5</a:t>
-            </a:fld>
-            <a:endParaRPr lang="en-US"/>
-          </a:p>
-        </p:txBody>
-      </p:sp>
-      <p:sp>
-        <p:nvSpPr>
-          <p:cNvPr id="5" name="TextBox 4"/>
-          <p:cNvSpPr txBox="1"/>
+            <a:r>
+              <a:rPr lang="en-US" smtClean="0"/>
+              <a:t>10/4/2024</a:t>
+            </a:r>
+            <a:endParaRPr lang="en-US"/>
+          </a:p>
+        </p:txBody>
+      </p:sp>
+      <p:sp>
+        <p:nvSpPr>
+          <p:cNvPr id="5" name="Rectangle 4"/>
+          <p:cNvSpPr/>
           <p:nvPr/>
         </p:nvSpPr>
         <p:spPr>
           <a:xfrm>
-            <a:off x="228600" y="117693"/>
-            <a:ext cx="8686800" cy="6555641"/>
+            <a:off x="457200" y="228600"/>
+            <a:ext cx="8229600" cy="6170176"/>
           </a:xfrm>
           <a:prstGeom prst="rect">
             <a:avLst/>
           </a:prstGeom>
-          <a:noFill/>
           <a:ln>
             <a:noFill/>
           </a:ln>
         </p:spPr>
         <p:txBody>
-          <a:bodyPr wrap="square" rtlCol="0">
+          <a:bodyPr wrap="square">
             <a:spAutoFit/>
           </a:bodyPr>
           <a:lstStyle/>
           <a:p>
+            <a:pPr algn="just">
+              <a:buNone/>
+            </a:pPr>
             <a:r>
               <a:rPr lang="en-US" sz="3000" b="1" dirty="0" smtClean="0"/>
-              <a:t>Security Testing</a:t>
-            </a:r>
-          </a:p>
-          <a:p>
+              <a:t>Performance Testing</a:t>
+            </a:r>
+          </a:p>
+          <a:p>
+            <a:pPr algn="just"/>
             <a:r>
               <a:rPr lang="en-US" sz="3000" dirty="0" smtClean="0"/>
-              <a:t>Security testing is crucial for ensuring the client-server system is protected from vulnerabilities like unauthorized access, data breaches, and attacks. This involves:</a:t>
-            </a:r>
-          </a:p>
-          <a:p>
-            <a:pPr>
+              <a:t>Performance testing evaluates the responsiveness and stability of the client-server system under various conditions, such as:</a:t>
+            </a:r>
+          </a:p>
+          <a:p>
+            <a:pPr algn="just">
               <a:buFont typeface="Wingdings" pitchFamily="2" charset="2"/>
               <a:buChar char="v"/>
             </a:pPr>
             <a:r>
+              <a:rPr lang="en-US" sz="3000" b="1" dirty="0" smtClean="0">
+                <a:solidFill>
+                  <a:schemeClr val="tx1">
+                    <a:lumMod val="85000"/>
+                    <a:lumOff val="15000"/>
+                  </a:schemeClr>
+                </a:solidFill>
+              </a:rPr>
+              <a:t>Load testing</a:t>
+            </a:r>
+            <a:r>
               <a:rPr lang="en-US" sz="3000" dirty="0" smtClean="0"/>
-              <a:t>Authentication and authorization checks.</a:t>
-            </a:r>
-          </a:p>
-          <a:p>
-            <a:pPr>
+              <a:t>: Assessing the system under expected      or peak load conditions.</a:t>
+            </a:r>
+          </a:p>
+          <a:p>
+            <a:pPr algn="just">
               <a:buFont typeface="Wingdings" pitchFamily="2" charset="2"/>
               <a:buChar char="v"/>
             </a:pPr>
             <a:r>
+              <a:rPr lang="en-US" sz="3000" b="1" dirty="0" smtClean="0">
+                <a:solidFill>
+                  <a:schemeClr val="tx1">
+                    <a:lumMod val="85000"/>
+                    <a:lumOff val="15000"/>
+                  </a:schemeClr>
+                </a:solidFill>
+              </a:rPr>
+              <a:t>Stress testing</a:t>
+            </a:r>
+            <a:r>
               <a:rPr lang="en-US" sz="3000" dirty="0" smtClean="0"/>
-              <a:t>Data encryption validation.</a:t>
-            </a:r>
-          </a:p>
-          <a:p>
-            <a:r>
-              <a:rPr lang="en-US" sz="3000" b="1" dirty="0" smtClean="0"/>
-              <a:t>Usability Testing</a:t>
-            </a:r>
-          </a:p>
-          <a:p>
-            <a:r>
-              <a:rPr lang="en-US" sz="3000" dirty="0" smtClean="0"/>
-              <a:t>This type ensures that the client-side application (UI) is easy to use and meets the expectations of the users. It focuses on:</a:t>
-            </a:r>
-          </a:p>
-          <a:p>
-            <a:pPr>
+              <a:t>: Testing beyond normal operational capacity to determine the system’s breaking point.</a:t>
+            </a:r>
+          </a:p>
+          <a:p>
+            <a:pPr algn="just">
               <a:buFont typeface="Wingdings" pitchFamily="2" charset="2"/>
               <a:buChar char="v"/>
             </a:pPr>
             <a:r>
+              <a:rPr lang="en-US" sz="3000" b="1" dirty="0" smtClean="0">
+                <a:solidFill>
+                  <a:schemeClr val="tx1">
+                    <a:lumMod val="85000"/>
+                    <a:lumOff val="15000"/>
+                  </a:schemeClr>
+                </a:solidFill>
+              </a:rPr>
+              <a:t>Throughput</a:t>
+            </a:r>
+            <a:r>
               <a:rPr lang="en-US" sz="3000" dirty="0" smtClean="0"/>
-              <a:t>User interface (UI) responsiveness.</a:t>
-            </a:r>
-          </a:p>
-          <a:p>
-            <a:pPr>
+              <a:t>: Measuring the amount of data transferred between client and server over a time period.</a:t>
+            </a:r>
+          </a:p>
+          <a:p>
+            <a:pPr algn="just">
               <a:buFont typeface="Wingdings" pitchFamily="2" charset="2"/>
               <a:buChar char="v"/>
             </a:pPr>
             <a:r>
+              <a:rPr lang="en-US" sz="3000" b="1" dirty="0" smtClean="0">
+                <a:solidFill>
+                  <a:schemeClr val="tx1">
+                    <a:lumMod val="85000"/>
+                    <a:lumOff val="15000"/>
+                  </a:schemeClr>
+                </a:solidFill>
+              </a:rPr>
+              <a:t>Latency testing</a:t>
+            </a:r>
+            <a:r>
               <a:rPr lang="en-US" sz="3000" dirty="0" smtClean="0"/>
-              <a:t>Navigation between the client and server.</a:t>
-            </a:r>
-          </a:p>
-          <a:p>
-            <a:pPr>
-              <a:buFont typeface="Arial"/>
-              <a:buChar char="•"/>
-            </a:pPr>
+              <a:t>: Measuring the delay between sending a request and receiving a response.</a:t>
+            </a:r>
             <a:endParaRPr lang="en-US" sz="3000" dirty="0"/>
+          </a:p>
+        </p:txBody>
+      </p:sp>
+      <p:sp>
+        <p:nvSpPr>
+          <p:cNvPr id="6" name="Slide Number Placeholder 5"/>
+          <p:cNvSpPr>
+            <a:spLocks noGrp="1"/>
+          </p:cNvSpPr>
+          <p:nvPr>
+            <p:ph type="sldNum" sz="quarter" idx="12"/>
+          </p:nvPr>
+        </p:nvSpPr>
+        <p:spPr/>
+        <p:txBody>
+          <a:bodyPr/>
+          <a:lstStyle/>
+          <a:p>
+            <a:fld id="{1D3CDB4E-4FB5-4460-9B40-33485DAECA60}" type="slidenum">
+              <a:rPr lang="en-US" smtClean="0"/>
+              <a:pPr/>
+              <a:t>5</a:t>
+            </a:fld>
+            <a:endParaRPr lang="en-US"/>
+          </a:p>
+        </p:txBody>
+      </p:sp>
+      <p:sp>
+        <p:nvSpPr>
+          <p:cNvPr id="7" name="Footer Placeholder 6"/>
+          <p:cNvSpPr>
+            <a:spLocks noGrp="1"/>
+          </p:cNvSpPr>
+          <p:nvPr>
+            <p:ph type="ftr" sz="quarter" idx="11"/>
+          </p:nvPr>
+        </p:nvSpPr>
+        <p:spPr/>
+        <p:txBody>
+          <a:bodyPr/>
+          <a:lstStyle/>
+          <a:p>
+            <a:r>
+              <a:rPr lang="en-US" smtClean="0"/>
+              <a:t>STMT</a:t>
+            </a:r>
+            <a:endParaRPr lang="en-US"/>
           </a:p>
         </p:txBody>
       </p:sp>
@@ -5366,56 +5659,10 @@
           <a:bodyPr/>
           <a:lstStyle/>
           <a:p>
-            <a:fld id="{F1F1A6F3-ABAA-4347-B150-3D86F8936258}" type="datetime1">
-              <a:rPr lang="en-US" smtClean="0"/>
-              <a:t>10/3/2024</a:t>
-            </a:fld>
-            <a:endParaRPr lang="en-US"/>
-          </a:p>
-        </p:txBody>
-      </p:sp>
-      <p:sp>
-        <p:nvSpPr>
-          <p:cNvPr id="3" name="Footer Placeholder 2"/>
-          <p:cNvSpPr>
-            <a:spLocks noGrp="1"/>
-          </p:cNvSpPr>
-          <p:nvPr>
-            <p:ph type="ftr" sz="quarter" idx="11"/>
-          </p:nvPr>
-        </p:nvSpPr>
-        <p:spPr/>
-        <p:txBody>
-          <a:bodyPr/>
-          <a:lstStyle/>
-          <a:p>
-            <a:r>
-              <a:rPr lang="en-US" smtClean="0"/>
-              <a:t>STMT</a:t>
-            </a:r>
-            <a:endParaRPr lang="en-US"/>
-          </a:p>
-        </p:txBody>
-      </p:sp>
-      <p:sp>
-        <p:nvSpPr>
-          <p:cNvPr id="4" name="Slide Number Placeholder 3"/>
-          <p:cNvSpPr>
-            <a:spLocks noGrp="1"/>
-          </p:cNvSpPr>
-          <p:nvPr>
-            <p:ph type="sldNum" sz="quarter" idx="12"/>
-          </p:nvPr>
-        </p:nvSpPr>
-        <p:spPr/>
-        <p:txBody>
-          <a:bodyPr/>
-          <a:lstStyle/>
-          <a:p>
-            <a:fld id="{1D3CDB4E-4FB5-4460-9B40-33485DAECA60}" type="slidenum">
-              <a:rPr lang="en-US" smtClean="0"/>
-              <a:t>6</a:t>
-            </a:fld>
+            <a:r>
+              <a:rPr lang="en-US" smtClean="0"/>
+              <a:t>10/4/2024</a:t>
+            </a:r>
             <a:endParaRPr lang="en-US"/>
           </a:p>
         </p:txBody>
@@ -5428,8 +5675,8 @@
         </p:nvSpPr>
         <p:spPr>
           <a:xfrm>
-            <a:off x="533400" y="381001"/>
-            <a:ext cx="8077200" cy="5724644"/>
+            <a:off x="228600" y="117693"/>
+            <a:ext cx="8686800" cy="6555641"/>
           </a:xfrm>
           <a:prstGeom prst="rect">
             <a:avLst/>
@@ -5445,58 +5692,122 @@
           </a:bodyPr>
           <a:lstStyle/>
           <a:p>
-            <a:pPr algn="just"/>
             <a:r>
               <a:rPr lang="en-US" sz="3000" b="1" dirty="0" smtClean="0"/>
-              <a:t>Data Integrity Testing</a:t>
-            </a:r>
-          </a:p>
-          <a:p>
-            <a:pPr algn="just"/>
+              <a:t>Security Testing</a:t>
+            </a:r>
+          </a:p>
+          <a:p>
             <a:r>
               <a:rPr lang="en-US" sz="3000" dirty="0" smtClean="0"/>
-              <a:t>Ensures that the data being exchanged between the client and the server remains consistent, accurate, and intact. </a:t>
-            </a:r>
-          </a:p>
-          <a:p>
-            <a:pPr algn="just"/>
-            <a:r>
-              <a:rPr lang="en-US" sz="3000" dirty="0" smtClean="0"/>
-              <a:t>It verifies:</a:t>
-            </a:r>
-          </a:p>
-          <a:p>
-            <a:pPr algn="just">
+              <a:t>Security testing is crucial for ensuring the client-server system is protected from vulnerabilities like unauthorized access, data breaches, and attacks. This involves:</a:t>
+            </a:r>
+          </a:p>
+          <a:p>
+            <a:pPr>
               <a:buFont typeface="Wingdings" pitchFamily="2" charset="2"/>
               <a:buChar char="v"/>
             </a:pPr>
             <a:r>
               <a:rPr lang="en-US" sz="3000" dirty="0" smtClean="0"/>
-              <a:t>That no data is lost, duplicated, or corrupted during transmission.</a:t>
-            </a:r>
-          </a:p>
-          <a:p>
-            <a:pPr algn="just">
+              <a:t>Authentication and authorization checks.</a:t>
+            </a:r>
+          </a:p>
+          <a:p>
+            <a:pPr>
               <a:buFont typeface="Wingdings" pitchFamily="2" charset="2"/>
               <a:buChar char="v"/>
             </a:pPr>
             <a:r>
               <a:rPr lang="en-US" sz="3000" dirty="0" smtClean="0"/>
-              <a:t>Consistency of the data stored in the server database after it is processed by the client.</a:t>
-            </a:r>
-          </a:p>
-          <a:p>
-            <a:r>
-              <a:rPr lang="en-US" sz="3200" b="1" dirty="0" smtClean="0"/>
-              <a:t>Database Testing</a:t>
-            </a:r>
-          </a:p>
-          <a:p>
-            <a:r>
-              <a:rPr lang="en-US" sz="3200" dirty="0" smtClean="0"/>
-              <a:t>Focuses on validating the interactions between the server and the database. </a:t>
-            </a:r>
-            <a:endParaRPr lang="en-US" sz="3000" dirty="0" smtClean="0"/>
+              <a:t>Data encryption validation.</a:t>
+            </a:r>
+          </a:p>
+          <a:p>
+            <a:r>
+              <a:rPr lang="en-US" sz="3000" b="1" dirty="0" smtClean="0"/>
+              <a:t>Usability Testing</a:t>
+            </a:r>
+          </a:p>
+          <a:p>
+            <a:r>
+              <a:rPr lang="en-US" sz="3000" dirty="0" smtClean="0"/>
+              <a:t>This type ensures that the client-side application (UI) is easy to use and meets the expectations of the users. It focuses on:</a:t>
+            </a:r>
+          </a:p>
+          <a:p>
+            <a:pPr>
+              <a:buFont typeface="Wingdings" pitchFamily="2" charset="2"/>
+              <a:buChar char="v"/>
+            </a:pPr>
+            <a:r>
+              <a:rPr lang="en-US" sz="3000" dirty="0" smtClean="0"/>
+              <a:t>User interface (UI) responsiveness.</a:t>
+            </a:r>
+          </a:p>
+          <a:p>
+            <a:pPr>
+              <a:buFont typeface="Wingdings" pitchFamily="2" charset="2"/>
+              <a:buChar char="v"/>
+            </a:pPr>
+            <a:r>
+              <a:rPr lang="en-US" sz="3000" dirty="0" smtClean="0"/>
+              <a:t>Navigation between the client and server.</a:t>
+            </a:r>
+          </a:p>
+          <a:p>
+            <a:pPr>
+              <a:buFont typeface="Arial"/>
+              <a:buChar char="•"/>
+            </a:pPr>
+            <a:endParaRPr lang="en-US" sz="3000" dirty="0"/>
+          </a:p>
+        </p:txBody>
+      </p:sp>
+      <p:sp>
+        <p:nvSpPr>
+          <p:cNvPr id="6" name="Slide Number Placeholder 5"/>
+          <p:cNvSpPr>
+            <a:spLocks noGrp="1"/>
+          </p:cNvSpPr>
+          <p:nvPr>
+            <p:ph type="sldNum" sz="quarter" idx="12"/>
+          </p:nvPr>
+        </p:nvSpPr>
+        <p:spPr/>
+        <p:txBody>
+          <a:bodyPr/>
+          <a:lstStyle/>
+          <a:p>
+            <a:fld id="{1D3CDB4E-4FB5-4460-9B40-33485DAECA60}" type="slidenum">
+              <a:rPr lang="en-US" smtClean="0"/>
+              <a:pPr/>
+              <a:t>6</a:t>
+            </a:fld>
+            <a:endParaRPr lang="en-US"/>
+          </a:p>
+        </p:txBody>
+      </p:sp>
+      <p:sp>
+        <p:nvSpPr>
+          <p:cNvPr id="7" name="Footer Placeholder 6"/>
+          <p:cNvSpPr>
+            <a:spLocks noGrp="1"/>
+          </p:cNvSpPr>
+          <p:nvPr>
+            <p:ph type="ftr" sz="quarter" idx="11"/>
+          </p:nvPr>
+        </p:nvSpPr>
+        <p:spPr/>
+        <p:txBody>
+          <a:bodyPr/>
+          <a:lstStyle/>
+          <a:p>
+            <a:r>
+              <a:rPr lang="en-US" smtClean="0"/>
+              <a:t>STMT</a:t>
+            </a:r>
+            <a:endParaRPr lang="en-US"/>
           </a:p>
         </p:txBody>
       </p:sp>
@@ -5547,56 +5858,10 @@
           <a:bodyPr/>
           <a:lstStyle/>
           <a:p>
-            <a:fld id="{F1F1A6F3-ABAA-4347-B150-3D86F8936258}" type="datetime1">
-              <a:rPr lang="en-US" smtClean="0"/>
-              <a:t>10/3/2024</a:t>
-            </a:fld>
-            <a:endParaRPr lang="en-US"/>
-          </a:p>
-        </p:txBody>
-      </p:sp>
-      <p:sp>
-        <p:nvSpPr>
-          <p:cNvPr id="3" name="Footer Placeholder 2"/>
-          <p:cNvSpPr>
-            <a:spLocks noGrp="1"/>
-          </p:cNvSpPr>
-          <p:nvPr>
-            <p:ph type="ftr" sz="quarter" idx="11"/>
-          </p:nvPr>
-        </p:nvSpPr>
-        <p:spPr/>
-        <p:txBody>
-          <a:bodyPr/>
-          <a:lstStyle/>
-          <a:p>
-            <a:r>
-              <a:rPr lang="en-US" smtClean="0"/>
-              <a:t>STMT</a:t>
-            </a:r>
-            <a:endParaRPr lang="en-US"/>
-          </a:p>
-        </p:txBody>
-      </p:sp>
-      <p:sp>
-        <p:nvSpPr>
-          <p:cNvPr id="4" name="Slide Number Placeholder 3"/>
-          <p:cNvSpPr>
-            <a:spLocks noGrp="1"/>
-          </p:cNvSpPr>
-          <p:nvPr>
-            <p:ph type="sldNum" sz="quarter" idx="12"/>
-          </p:nvPr>
-        </p:nvSpPr>
-        <p:spPr/>
-        <p:txBody>
-          <a:bodyPr/>
-          <a:lstStyle/>
-          <a:p>
-            <a:fld id="{1D3CDB4E-4FB5-4460-9B40-33485DAECA60}" type="slidenum">
-              <a:rPr lang="en-US" smtClean="0"/>
-              <a:t>7</a:t>
-            </a:fld>
+            <a:r>
+              <a:rPr lang="en-US" smtClean="0"/>
+              <a:t>10/4/2024</a:t>
+            </a:r>
             <a:endParaRPr lang="en-US"/>
           </a:p>
         </p:txBody>
@@ -5609,8 +5874,8 @@
         </p:nvSpPr>
         <p:spPr>
           <a:xfrm>
-            <a:off x="381000" y="381000"/>
-            <a:ext cx="8382000" cy="5847755"/>
+            <a:off x="533400" y="381001"/>
+            <a:ext cx="8077200" cy="5724644"/>
           </a:xfrm>
           <a:prstGeom prst="rect">
             <a:avLst/>
@@ -5626,9 +5891,24 @@
           </a:bodyPr>
           <a:lstStyle/>
           <a:p>
+            <a:pPr algn="just"/>
+            <a:r>
+              <a:rPr lang="en-US" sz="3000" b="1" dirty="0" smtClean="0"/>
+              <a:t>Data Integrity Testing</a:t>
+            </a:r>
+          </a:p>
+          <a:p>
+            <a:pPr algn="just"/>
             <a:r>
               <a:rPr lang="en-US" sz="3000" dirty="0" smtClean="0"/>
-              <a:t>It includes:</a:t>
+              <a:t>Ensures that the data being exchanged between the client and the server remains consistent, accurate, and intact. </a:t>
+            </a:r>
+          </a:p>
+          <a:p>
+            <a:pPr algn="just"/>
+            <a:r>
+              <a:rPr lang="en-US" sz="3000" dirty="0" smtClean="0"/>
+              <a:t>It verifies:</a:t>
             </a:r>
           </a:p>
           <a:p>
@@ -5638,7 +5918,7 @@
             </a:pPr>
             <a:r>
               <a:rPr lang="en-US" sz="3000" dirty="0" smtClean="0"/>
-              <a:t>Verifying that the data stored, updated, and deleted in the database is correct.</a:t>
+              <a:t>That no data is lost, duplicated, or corrupted during transmission.</a:t>
             </a:r>
           </a:p>
           <a:p>
@@ -5648,48 +5928,68 @@
             </a:pPr>
             <a:r>
               <a:rPr lang="en-US" sz="3000" dirty="0" smtClean="0"/>
-              <a:t>Ensuring data integrity across tables and relationships.</a:t>
-            </a:r>
-          </a:p>
-          <a:p>
-            <a:pPr algn="just"/>
+              <a:t>Consistency of the data stored in the server database after it is processed by the client.</a:t>
+            </a:r>
+          </a:p>
+          <a:p>
             <a:r>
               <a:rPr lang="en-US" sz="3200" b="1" dirty="0" smtClean="0"/>
-              <a:t>Session Management Testing</a:t>
-            </a:r>
-          </a:p>
-          <a:p>
-            <a:pPr algn="just"/>
+              <a:t>Database Testing</a:t>
+            </a:r>
+          </a:p>
+          <a:p>
             <a:r>
               <a:rPr lang="en-US" sz="3200" dirty="0" smtClean="0"/>
-              <a:t>Involves checking how the server manages user sessions, especially for web-based client-server systems. </a:t>
-            </a:r>
-          </a:p>
-          <a:p>
-            <a:r>
-              <a:rPr lang="en-US" sz="3200" dirty="0" smtClean="0"/>
-              <a:t>It includes:</a:t>
-            </a:r>
-          </a:p>
-          <a:p>
-            <a:pPr>
-              <a:buFont typeface="Wingdings" pitchFamily="2" charset="2"/>
-              <a:buChar char="v"/>
-            </a:pPr>
-            <a:r>
-              <a:rPr lang="en-US" sz="3200" dirty="0" smtClean="0"/>
-              <a:t>Session creation and termination.</a:t>
-            </a:r>
-          </a:p>
-          <a:p>
-            <a:pPr>
-              <a:buFont typeface="Wingdings" pitchFamily="2" charset="2"/>
-              <a:buChar char="v"/>
-            </a:pPr>
-            <a:r>
-              <a:rPr lang="en-US" sz="3200" dirty="0" smtClean="0"/>
-              <a:t>Handling multiple sessions.</a:t>
-            </a:r>
+              <a:t>Focuses on validating the interactions between the server and the database. </a:t>
+            </a:r>
+            <a:endParaRPr lang="en-US" sz="3000" dirty="0" smtClean="0"/>
+          </a:p>
+        </p:txBody>
+      </p:sp>
+      <p:sp>
+        <p:nvSpPr>
+          <p:cNvPr id="6" name="Slide Number Placeholder 5"/>
+          <p:cNvSpPr>
+            <a:spLocks noGrp="1"/>
+          </p:cNvSpPr>
+          <p:nvPr>
+            <p:ph type="sldNum" sz="quarter" idx="12"/>
+          </p:nvPr>
+        </p:nvSpPr>
+        <p:spPr/>
+        <p:txBody>
+          <a:bodyPr/>
+          <a:lstStyle/>
+          <a:p>
+            <a:fld id="{1D3CDB4E-4FB5-4460-9B40-33485DAECA60}" type="slidenum">
+              <a:rPr lang="en-US" smtClean="0"/>
+              <a:pPr/>
+              <a:t>7</a:t>
+            </a:fld>
+            <a:endParaRPr lang="en-US"/>
+          </a:p>
+        </p:txBody>
+      </p:sp>
+      <p:sp>
+        <p:nvSpPr>
+          <p:cNvPr id="7" name="Footer Placeholder 6"/>
+          <p:cNvSpPr>
+            <a:spLocks noGrp="1"/>
+          </p:cNvSpPr>
+          <p:nvPr>
+            <p:ph type="ftr" sz="quarter" idx="11"/>
+          </p:nvPr>
+        </p:nvSpPr>
+        <p:spPr/>
+        <p:txBody>
+          <a:bodyPr/>
+          <a:lstStyle/>
+          <a:p>
+            <a:r>
+              <a:rPr lang="en-US" smtClean="0"/>
+              <a:t>STMT</a:t>
+            </a:r>
+            <a:endParaRPr lang="en-US"/>
           </a:p>
         </p:txBody>
       </p:sp>
@@ -5727,89 +6027,66 @@
       </p:grpSpPr>
       <p:sp>
         <p:nvSpPr>
-          <p:cNvPr id="2" name="Title 1"/>
-          <p:cNvSpPr>
-            <a:spLocks noGrp="1"/>
-          </p:cNvSpPr>
-          <p:nvPr>
-            <p:ph type="title"/>
-          </p:nvPr>
+          <p:cNvPr id="2" name="Date Placeholder 1"/>
+          <p:cNvSpPr>
+            <a:spLocks noGrp="1"/>
+          </p:cNvSpPr>
+          <p:nvPr>
+            <p:ph type="dt" sz="half" idx="10"/>
+          </p:nvPr>
+        </p:nvSpPr>
+        <p:spPr/>
+        <p:txBody>
+          <a:bodyPr/>
+          <a:lstStyle/>
+          <a:p>
+            <a:r>
+              <a:rPr lang="en-US" smtClean="0"/>
+              <a:t>10/4/2024</a:t>
+            </a:r>
+            <a:endParaRPr lang="en-US"/>
+          </a:p>
+        </p:txBody>
+      </p:sp>
+      <p:sp>
+        <p:nvSpPr>
+          <p:cNvPr id="5" name="TextBox 4"/>
+          <p:cNvSpPr txBox="1"/>
+          <p:nvPr/>
         </p:nvSpPr>
         <p:spPr>
           <a:xfrm>
-            <a:off x="381000" y="152400"/>
-            <a:ext cx="8229600" cy="990600"/>
+            <a:off x="381000" y="381000"/>
+            <a:ext cx="8382000" cy="5847755"/>
           </a:xfrm>
-        </p:spPr>
-        <p:txBody>
-          <a:bodyPr>
-            <a:normAutofit/>
-          </a:bodyPr>
-          <a:lstStyle/>
-          <a:p>
-            <a:r>
-              <a:rPr lang="en-US" dirty="0" smtClean="0">
-                <a:solidFill>
-                  <a:srgbClr val="FF0000"/>
-                </a:solidFill>
-              </a:rPr>
-              <a:t>Challenges of Client-Server testing</a:t>
-            </a:r>
-            <a:endParaRPr lang="en-US" dirty="0">
-              <a:solidFill>
-                <a:srgbClr val="FF0000"/>
-              </a:solidFill>
-            </a:endParaRPr>
-          </a:p>
-        </p:txBody>
-      </p:sp>
-      <p:sp>
-        <p:nvSpPr>
-          <p:cNvPr id="3" name="Content Placeholder 2"/>
-          <p:cNvSpPr>
-            <a:spLocks noGrp="1"/>
-          </p:cNvSpPr>
-          <p:nvPr>
-            <p:ph idx="1"/>
-          </p:nvPr>
-        </p:nvSpPr>
-        <p:spPr>
-          <a:xfrm>
-            <a:off x="457200" y="1066800"/>
-            <a:ext cx="8229600" cy="5059363"/>
-          </a:xfrm>
+          <a:prstGeom prst="rect">
+            <a:avLst/>
+          </a:prstGeom>
+          <a:noFill/>
           <a:ln>
             <a:noFill/>
           </a:ln>
         </p:spPr>
         <p:txBody>
-          <a:bodyPr>
-            <a:noAutofit/>
+          <a:bodyPr wrap="square" rtlCol="0">
+            <a:spAutoFit/>
           </a:bodyPr>
           <a:lstStyle/>
+          <a:p>
+            <a:r>
+              <a:rPr lang="en-US" sz="3000" dirty="0" smtClean="0"/>
+              <a:t>It includes:</a:t>
+            </a:r>
+          </a:p>
           <a:p>
             <a:pPr algn="just">
               <a:buFont typeface="Wingdings" pitchFamily="2" charset="2"/>
               <a:buChar char="v"/>
             </a:pPr>
             <a:r>
-              <a:rPr lang="en-US" sz="3000" b="1" dirty="0"/>
-              <a:t>Network Dependency: </a:t>
-            </a:r>
-            <a:r>
-              <a:rPr lang="en-US" sz="3000" dirty="0"/>
-              <a:t>Testing interactions over a network introduces complexities related to </a:t>
-            </a:r>
-            <a:r>
               <a:rPr lang="en-US" sz="3000" dirty="0" smtClean="0"/>
-              <a:t>reliability.</a:t>
-            </a:r>
-          </a:p>
-          <a:p>
-            <a:pPr algn="just">
-              <a:buNone/>
-            </a:pPr>
-            <a:endParaRPr lang="en-US" sz="3000" dirty="0" smtClean="0"/>
+              <a:t>Verifying that the data stored, updated, and deleted in the database is correct.</a:t>
+            </a:r>
           </a:p>
           <a:p>
             <a:pPr algn="just">
@@ -5817,74 +6094,49 @@
               <a:buChar char="v"/>
             </a:pPr>
             <a:r>
-              <a:rPr lang="en-US" sz="3000" b="1" dirty="0" smtClean="0"/>
-              <a:t>Data Consistency: </a:t>
-            </a:r>
-            <a:r>
               <a:rPr lang="en-US" sz="3000" dirty="0" smtClean="0"/>
-              <a:t>Verifying data consistency between the client and server can be complex, especially in situations where the client and server maintain their copies of the data.</a:t>
-            </a:r>
-            <a:endParaRPr lang="en-US" sz="3000" b="1" dirty="0" smtClean="0"/>
-          </a:p>
-          <a:p>
-            <a:pPr algn="just">
+              <a:t>Ensuring data integrity across tables and relationships.</a:t>
+            </a:r>
+          </a:p>
+          <a:p>
+            <a:pPr algn="just"/>
+            <a:r>
+              <a:rPr lang="en-US" sz="3200" b="1" dirty="0" smtClean="0"/>
+              <a:t>Session Management Testing</a:t>
+            </a:r>
+          </a:p>
+          <a:p>
+            <a:pPr algn="just"/>
+            <a:r>
+              <a:rPr lang="en-US" sz="3200" dirty="0" smtClean="0"/>
+              <a:t>Involves checking how the server manages user sessions, especially for web-based client-server systems. </a:t>
+            </a:r>
+          </a:p>
+          <a:p>
+            <a:r>
+              <a:rPr lang="en-US" sz="3200" dirty="0" smtClean="0"/>
+              <a:t>It includes:</a:t>
+            </a:r>
+          </a:p>
+          <a:p>
+            <a:pPr>
               <a:buFont typeface="Wingdings" pitchFamily="2" charset="2"/>
               <a:buChar char="v"/>
             </a:pPr>
-            <a:endParaRPr lang="en-US" sz="3000" dirty="0" smtClean="0"/>
-          </a:p>
-          <a:p>
-            <a:pPr algn="just">
+            <a:r>
+              <a:rPr lang="en-US" sz="3200" dirty="0" smtClean="0"/>
+              <a:t>Session creation and termination.</a:t>
+            </a:r>
+          </a:p>
+          <a:p>
+            <a:pPr>
               <a:buFont typeface="Wingdings" pitchFamily="2" charset="2"/>
               <a:buChar char="v"/>
             </a:pPr>
-            <a:endParaRPr lang="en-US" sz="3000" dirty="0"/>
-          </a:p>
-        </p:txBody>
-      </p:sp>
-      <p:sp>
-        <p:nvSpPr>
-          <p:cNvPr id="4" name="Date Placeholder 3"/>
-          <p:cNvSpPr>
-            <a:spLocks noGrp="1"/>
-          </p:cNvSpPr>
-          <p:nvPr>
-            <p:ph type="dt" sz="half" idx="10"/>
-          </p:nvPr>
-        </p:nvSpPr>
-        <p:spPr/>
-        <p:txBody>
-          <a:bodyPr/>
-          <a:lstStyle/>
-          <a:p>
-            <a:fld id="{E07B1EB5-CE83-4636-89EB-718F388BD3B4}" type="datetime1">
-              <a:rPr lang="en-US" smtClean="0"/>
-              <a:t>10/3/2024</a:t>
-            </a:fld>
-            <a:endParaRPr lang="en-US"/>
-          </a:p>
-        </p:txBody>
-      </p:sp>
-      <p:sp>
-        <p:nvSpPr>
-          <p:cNvPr id="5" name="Footer Placeholder 4"/>
-          <p:cNvSpPr>
-            <a:spLocks noGrp="1"/>
-          </p:cNvSpPr>
-          <p:nvPr>
-            <p:ph type="ftr" sz="quarter" idx="11"/>
-          </p:nvPr>
-        </p:nvSpPr>
-        <p:spPr/>
-        <p:txBody>
-          <a:bodyPr/>
-          <a:lstStyle/>
-          <a:p>
-            <a:r>
-              <a:rPr lang="en-US" smtClean="0"/>
-              <a:t>STMT</a:t>
-            </a:r>
-            <a:endParaRPr lang="en-US"/>
+            <a:r>
+              <a:rPr lang="en-US" sz="3200" dirty="0" smtClean="0"/>
+              <a:t>Handling multiple sessions.</a:t>
+            </a:r>
           </a:p>
         </p:txBody>
       </p:sp>
@@ -5905,8 +6157,32 @@
           <a:p>
             <a:fld id="{1D3CDB4E-4FB5-4460-9B40-33485DAECA60}" type="slidenum">
               <a:rPr lang="en-US" smtClean="0"/>
+              <a:pPr/>
               <a:t>8</a:t>
             </a:fld>
+            <a:endParaRPr lang="en-US"/>
+          </a:p>
+        </p:txBody>
+      </p:sp>
+      <p:sp>
+        <p:nvSpPr>
+          <p:cNvPr id="7" name="Footer Placeholder 6"/>
+          <p:cNvSpPr>
+            <a:spLocks noGrp="1"/>
+          </p:cNvSpPr>
+          <p:nvPr>
+            <p:ph type="ftr" sz="quarter" idx="11"/>
+          </p:nvPr>
+        </p:nvSpPr>
+        <p:spPr/>
+        <p:txBody>
+          <a:bodyPr/>
+          <a:lstStyle/>
+          <a:p>
+            <a:r>
+              <a:rPr lang="en-US" smtClean="0"/>
+              <a:t>STMT</a:t>
+            </a:r>
             <a:endParaRPr lang="en-US"/>
           </a:p>
         </p:txBody>
@@ -5945,18 +6221,56 @@
       </p:grpSpPr>
       <p:sp>
         <p:nvSpPr>
-          <p:cNvPr id="3" name="Content Placeholder 2"/>
-          <p:cNvSpPr>
-            <a:spLocks noGrp="1"/>
-          </p:cNvSpPr>
-          <p:nvPr>
-            <p:ph idx="1"/>
+          <p:cNvPr id="2" name="Title 1"/>
+          <p:cNvSpPr>
+            <a:spLocks noGrp="1"/>
+          </p:cNvSpPr>
+          <p:nvPr>
+            <p:ph type="title"/>
           </p:nvPr>
         </p:nvSpPr>
         <p:spPr>
           <a:xfrm>
-            <a:off x="381000" y="457200"/>
-            <a:ext cx="8305800" cy="5791200"/>
+            <a:off x="381000" y="152400"/>
+            <a:ext cx="8229600" cy="990600"/>
+          </a:xfrm>
+        </p:spPr>
+        <p:txBody>
+          <a:bodyPr>
+            <a:normAutofit/>
+          </a:bodyPr>
+          <a:lstStyle/>
+          <a:p>
+            <a:r>
+              <a:rPr lang="en-US" dirty="0" smtClean="0">
+                <a:solidFill>
+                  <a:srgbClr val="FF0000"/>
+                </a:solidFill>
+              </a:rPr>
+              <a:t>Challenges of Client-Server testing</a:t>
+            </a:r>
+            <a:endParaRPr lang="en-US" dirty="0">
+              <a:solidFill>
+                <a:srgbClr val="FF0000"/>
+              </a:solidFill>
+            </a:endParaRPr>
+          </a:p>
+        </p:txBody>
+      </p:sp>
+      <p:sp>
+        <p:nvSpPr>
+          <p:cNvPr id="3" name="Content Placeholder 2"/>
+          <p:cNvSpPr>
+            <a:spLocks noGrp="1"/>
+          </p:cNvSpPr>
+          <p:nvPr>
+            <p:ph idx="1"/>
+          </p:nvPr>
+        </p:nvSpPr>
+        <p:spPr>
+          <a:xfrm>
+            <a:off x="457200" y="1066800"/>
+            <a:ext cx="8229600" cy="5059363"/>
           </a:xfrm>
           <a:ln>
             <a:noFill/>
@@ -5973,13 +6287,45 @@
               <a:buChar char="v"/>
             </a:pPr>
             <a:r>
+              <a:rPr lang="en-US" sz="3000" b="1" dirty="0"/>
+              <a:t>Network Dependency: </a:t>
+            </a:r>
+            <a:r>
+              <a:rPr lang="en-US" sz="3000" dirty="0"/>
+              <a:t>Testing interactions over a network introduces complexities related to </a:t>
+            </a:r>
+            <a:r>
+              <a:rPr lang="en-US" sz="3000" dirty="0" smtClean="0"/>
+              <a:t>reliability.</a:t>
+            </a:r>
+          </a:p>
+          <a:p>
+            <a:pPr algn="just">
+              <a:buNone/>
+            </a:pPr>
+            <a:endParaRPr lang="en-US" sz="3000" dirty="0" smtClean="0"/>
+          </a:p>
+          <a:p>
+            <a:pPr algn="just">
+              <a:buFont typeface="Wingdings" pitchFamily="2" charset="2"/>
+              <a:buChar char="v"/>
+            </a:pPr>
+            <a:r>
               <a:rPr lang="en-US" sz="3000" b="1" dirty="0" smtClean="0"/>
-              <a:t>Concurrency Issues: </a:t>
+              <a:t>Data Consistency: </a:t>
             </a:r>
             <a:r>
               <a:rPr lang="en-US" sz="3000" dirty="0" smtClean="0"/>
-              <a:t>Detecting and addressing concurrency issues, such as race conditions and deadlocks, becomes crucial as multiple clients interact with the server simultaneously.</a:t>
-            </a:r>
+              <a:t>Verifying data consistency between the client and server can be complex, especially in situations where the client and server maintain their copies of the data.</a:t>
+            </a:r>
+            <a:endParaRPr lang="en-US" sz="3000" b="1" dirty="0" smtClean="0"/>
+          </a:p>
+          <a:p>
+            <a:pPr algn="just">
+              <a:buFont typeface="Wingdings" pitchFamily="2" charset="2"/>
+              <a:buChar char="v"/>
+            </a:pPr>
+            <a:endParaRPr lang="en-US" sz="3000" dirty="0" smtClean="0"/>
           </a:p>
           <a:p>
             <a:pPr algn="just">
@@ -5988,30 +6334,6 @@
             </a:pPr>
             <a:endParaRPr lang="en-US" sz="3000" dirty="0"/>
           </a:p>
-          <a:p>
-            <a:pPr algn="just">
-              <a:buNone/>
-            </a:pPr>
-            <a:endParaRPr lang="en-US" sz="3000" dirty="0" smtClean="0"/>
-          </a:p>
-          <a:p>
-            <a:pPr algn="just">
-              <a:buFont typeface="Wingdings" pitchFamily="2" charset="2"/>
-              <a:buChar char="v"/>
-            </a:pPr>
-            <a:r>
-              <a:rPr lang="en-US" sz="3000" b="1" dirty="0" smtClean="0"/>
-              <a:t>Scalability Challenges: </a:t>
-            </a:r>
-            <a:r>
-              <a:rPr lang="en-US" sz="3000" dirty="0" smtClean="0"/>
-              <a:t>Testing the system’s scalability involves simulating a large number of clients, which can be resource-intensive and requires careful planning.</a:t>
-            </a:r>
-            <a:br>
-              <a:rPr lang="en-US" sz="3000" dirty="0" smtClean="0"/>
-            </a:br>
-            <a:endParaRPr lang="en-US" sz="3000" dirty="0"/>
-          </a:p>
         </p:txBody>
       </p:sp>
       <p:sp>
@@ -6029,40 +6351,17 @@
           <a:bodyPr/>
           <a:lstStyle/>
           <a:p>
-            <a:fld id="{E07B1EB5-CE83-4636-89EB-718F388BD3B4}" type="datetime1">
-              <a:rPr lang="en-US" smtClean="0"/>
-              <a:t>10/3/2024</a:t>
-            </a:fld>
-            <a:endParaRPr lang="en-US" dirty="0"/>
-          </a:p>
-        </p:txBody>
-      </p:sp>
-      <p:sp>
-        <p:nvSpPr>
-          <p:cNvPr id="5" name="Footer Placeholder 4"/>
-          <p:cNvSpPr>
-            <a:spLocks noGrp="1"/>
-          </p:cNvSpPr>
-          <p:nvPr>
-            <p:ph type="ftr" sz="quarter" idx="11"/>
-          </p:nvPr>
-        </p:nvSpPr>
-        <p:spPr/>
-        <p:txBody>
-          <a:bodyPr/>
-          <a:lstStyle/>
-          <a:p>
-            <a:r>
-              <a:rPr lang="en-US" smtClean="0"/>
-              <a:t>STMT</a:t>
-            </a:r>
-            <a:endParaRPr lang="en-US"/>
-          </a:p>
-        </p:txBody>
-      </p:sp>
-      <p:sp>
-        <p:nvSpPr>
-          <p:cNvPr id="6" name="Slide Number Placeholder 5"/>
+            <a:r>
+              <a:rPr lang="en-US" smtClean="0"/>
+              <a:t>10/4/2024</a:t>
+            </a:r>
+            <a:endParaRPr lang="en-US"/>
+          </a:p>
+        </p:txBody>
+      </p:sp>
+      <p:sp>
+        <p:nvSpPr>
+          <p:cNvPr id="7" name="Slide Number Placeholder 6"/>
           <p:cNvSpPr>
             <a:spLocks noGrp="1"/>
           </p:cNvSpPr>
@@ -6077,8 +6376,32 @@
           <a:p>
             <a:fld id="{1D3CDB4E-4FB5-4460-9B40-33485DAECA60}" type="slidenum">
               <a:rPr lang="en-US" smtClean="0"/>
+              <a:pPr/>
               <a:t>9</a:t>
             </a:fld>
+            <a:endParaRPr lang="en-US"/>
+          </a:p>
+        </p:txBody>
+      </p:sp>
+      <p:sp>
+        <p:nvSpPr>
+          <p:cNvPr id="8" name="Footer Placeholder 7"/>
+          <p:cNvSpPr>
+            <a:spLocks noGrp="1"/>
+          </p:cNvSpPr>
+          <p:nvPr>
+            <p:ph type="ftr" sz="quarter" idx="11"/>
+          </p:nvPr>
+        </p:nvSpPr>
+        <p:spPr/>
+        <p:txBody>
+          <a:bodyPr/>
+          <a:lstStyle/>
+          <a:p>
+            <a:r>
+              <a:rPr lang="en-US" smtClean="0"/>
+              <a:t>STMT</a:t>
+            </a:r>
             <a:endParaRPr lang="en-US"/>
           </a:p>
         </p:txBody>
